--- a/Document/EchoFlightsPPT.pptx
+++ b/Document/EchoFlightsPPT.pptx
@@ -4320,7 +4320,7 @@
                 <a14:useLocalDpi xmlns:a14="http://schemas.microsoft.com/office/drawing/2010/main" val="0"/>
               </a:ext>
               <a:ext uri="{96DAC541-7B7A-43D3-8B79-37D633B846F1}">
-                <asvg:svgBlip xmlns:asvg="http://schemas.microsoft.com/office/drawing/2016/SVG/main" xmlns="" r:embed="rId2"/>
+                <asvg:svgBlip xmlns="" xmlns:asvg="http://schemas.microsoft.com/office/drawing/2016/SVG/main" r:embed="rId2"/>
               </a:ext>
             </a:extLst>
           </a:blip>
@@ -4495,7 +4495,7 @@
                 <a14:useLocalDpi xmlns:a14="http://schemas.microsoft.com/office/drawing/2010/main" val="0"/>
               </a:ext>
               <a:ext uri="{96DAC541-7B7A-43D3-8B79-37D633B846F1}">
-                <asvg:svgBlip xmlns:asvg="http://schemas.microsoft.com/office/drawing/2016/SVG/main" xmlns="" r:embed="rId6"/>
+                <asvg:svgBlip xmlns="" xmlns:asvg="http://schemas.microsoft.com/office/drawing/2016/SVG/main" r:embed="rId6"/>
               </a:ext>
             </a:extLst>
           </a:blip>
@@ -4587,7 +4587,7 @@
                 <a14:useLocalDpi xmlns:a14="http://schemas.microsoft.com/office/drawing/2010/main" val="0"/>
               </a:ext>
               <a:ext uri="{96DAC541-7B7A-43D3-8B79-37D633B846F1}">
-                <asvg:svgBlip xmlns:asvg="http://schemas.microsoft.com/office/drawing/2016/SVG/main" xmlns="" r:embed="rId8"/>
+                <asvg:svgBlip xmlns="" xmlns:asvg="http://schemas.microsoft.com/office/drawing/2016/SVG/main" r:embed="rId8"/>
               </a:ext>
             </a:extLst>
           </a:blip>
@@ -4679,7 +4679,7 @@
                 <a14:useLocalDpi xmlns:a14="http://schemas.microsoft.com/office/drawing/2010/main" val="0"/>
               </a:ext>
               <a:ext uri="{96DAC541-7B7A-43D3-8B79-37D633B846F1}">
-                <asvg:svgBlip xmlns:asvg="http://schemas.microsoft.com/office/drawing/2016/SVG/main" xmlns="" r:embed="rId12"/>
+                <asvg:svgBlip xmlns="" xmlns:asvg="http://schemas.microsoft.com/office/drawing/2016/SVG/main" r:embed="rId12"/>
               </a:ext>
             </a:extLst>
           </a:blip>
@@ -5061,7 +5061,7 @@
                 <a14:useLocalDpi xmlns:a14="http://schemas.microsoft.com/office/drawing/2010/main" val="0"/>
               </a:ext>
               <a:ext uri="{96DAC541-7B7A-43D3-8B79-37D633B846F1}">
-                <asvg:svgBlip xmlns:asvg="http://schemas.microsoft.com/office/drawing/2016/SVG/main" xmlns="" r:embed="rId2"/>
+                <asvg:svgBlip xmlns="" xmlns:asvg="http://schemas.microsoft.com/office/drawing/2016/SVG/main" r:embed="rId2"/>
               </a:ext>
             </a:extLst>
           </a:blip>
@@ -5141,7 +5141,7 @@
                 <a14:useLocalDpi xmlns:a14="http://schemas.microsoft.com/office/drawing/2010/main" val="0"/>
               </a:ext>
               <a:ext uri="{96DAC541-7B7A-43D3-8B79-37D633B846F1}">
-                <asvg:svgBlip xmlns:asvg="http://schemas.microsoft.com/office/drawing/2016/SVG/main" xmlns="" r:embed="rId4"/>
+                <asvg:svgBlip xmlns="" xmlns:asvg="http://schemas.microsoft.com/office/drawing/2016/SVG/main" r:embed="rId4"/>
               </a:ext>
             </a:extLst>
           </a:blip>
@@ -5221,7 +5221,7 @@
                 <a14:useLocalDpi xmlns:a14="http://schemas.microsoft.com/office/drawing/2010/main" val="0"/>
               </a:ext>
               <a:ext uri="{96DAC541-7B7A-43D3-8B79-37D633B846F1}">
-                <asvg:svgBlip xmlns:asvg="http://schemas.microsoft.com/office/drawing/2016/SVG/main" xmlns="" r:embed="rId6"/>
+                <asvg:svgBlip xmlns="" xmlns:asvg="http://schemas.microsoft.com/office/drawing/2016/SVG/main" r:embed="rId6"/>
               </a:ext>
             </a:extLst>
           </a:blip>
@@ -6390,7 +6390,7 @@
                 <a14:useLocalDpi xmlns:a14="http://schemas.microsoft.com/office/drawing/2010/main" val="0"/>
               </a:ext>
               <a:ext uri="{96DAC541-7B7A-43D3-8B79-37D633B846F1}">
-                <asvg:svgBlip xmlns:asvg="http://schemas.microsoft.com/office/drawing/2016/SVG/main" xmlns="" r:embed="rId2"/>
+                <asvg:svgBlip xmlns="" xmlns:asvg="http://schemas.microsoft.com/office/drawing/2016/SVG/main" r:embed="rId2"/>
               </a:ext>
             </a:extLst>
           </a:blip>
@@ -6744,7 +6744,7 @@
                 <a14:useLocalDpi xmlns:a14="http://schemas.microsoft.com/office/drawing/2010/main" val="0"/>
               </a:ext>
               <a:ext uri="{96DAC541-7B7A-43D3-8B79-37D633B846F1}">
-                <asvg:svgBlip xmlns:asvg="http://schemas.microsoft.com/office/drawing/2016/SVG/main" xmlns="" r:embed="rId6"/>
+                <asvg:svgBlip xmlns="" xmlns:asvg="http://schemas.microsoft.com/office/drawing/2016/SVG/main" r:embed="rId6"/>
               </a:ext>
             </a:extLst>
           </a:blip>
@@ -6908,7 +6908,7 @@
                 <a14:useLocalDpi xmlns:a14="http://schemas.microsoft.com/office/drawing/2010/main" val="0"/>
               </a:ext>
               <a:ext uri="{96DAC541-7B7A-43D3-8B79-37D633B846F1}">
-                <asvg:svgBlip xmlns:asvg="http://schemas.microsoft.com/office/drawing/2016/SVG/main" xmlns="" r:embed="rId8"/>
+                <asvg:svgBlip xmlns="" xmlns:asvg="http://schemas.microsoft.com/office/drawing/2016/SVG/main" r:embed="rId8"/>
               </a:ext>
             </a:extLst>
           </a:blip>
@@ -7072,7 +7072,7 @@
                 <a14:useLocalDpi xmlns:a14="http://schemas.microsoft.com/office/drawing/2010/main" val="0"/>
               </a:ext>
               <a:ext uri="{96DAC541-7B7A-43D3-8B79-37D633B846F1}">
-                <asvg:svgBlip xmlns:asvg="http://schemas.microsoft.com/office/drawing/2016/SVG/main" xmlns="" r:embed="rId12"/>
+                <asvg:svgBlip xmlns="" xmlns:asvg="http://schemas.microsoft.com/office/drawing/2016/SVG/main" r:embed="rId12"/>
               </a:ext>
             </a:extLst>
           </a:blip>
@@ -7213,7 +7213,7 @@
                 <a14:useLocalDpi xmlns:a14="http://schemas.microsoft.com/office/drawing/2010/main" val="0"/>
               </a:ext>
               <a:ext uri="{96DAC541-7B7A-43D3-8B79-37D633B846F1}">
-                <asvg:svgBlip xmlns:asvg="http://schemas.microsoft.com/office/drawing/2016/SVG/main" xmlns="" r:embed="rId2"/>
+                <asvg:svgBlip xmlns="" xmlns:asvg="http://schemas.microsoft.com/office/drawing/2016/SVG/main" r:embed="rId2"/>
               </a:ext>
             </a:extLst>
           </a:blip>
@@ -7386,7 +7386,7 @@
                 <a14:useLocalDpi xmlns:a14="http://schemas.microsoft.com/office/drawing/2010/main" val="0"/>
               </a:ext>
               <a:ext uri="{96DAC541-7B7A-43D3-8B79-37D633B846F1}">
-                <asvg:svgBlip xmlns:asvg="http://schemas.microsoft.com/office/drawing/2016/SVG/main" xmlns="" r:embed="rId4"/>
+                <asvg:svgBlip xmlns="" xmlns:asvg="http://schemas.microsoft.com/office/drawing/2016/SVG/main" r:embed="rId4"/>
               </a:ext>
             </a:extLst>
           </a:blip>
@@ -7555,7 +7555,7 @@
                 <a14:useLocalDpi xmlns:a14="http://schemas.microsoft.com/office/drawing/2010/main" val="0"/>
               </a:ext>
               <a:ext uri="{96DAC541-7B7A-43D3-8B79-37D633B846F1}">
-                <asvg:svgBlip xmlns:asvg="http://schemas.microsoft.com/office/drawing/2016/SVG/main" xmlns="" r:embed="rId6"/>
+                <asvg:svgBlip xmlns="" xmlns:asvg="http://schemas.microsoft.com/office/drawing/2016/SVG/main" r:embed="rId6"/>
               </a:ext>
             </a:extLst>
           </a:blip>
@@ -8797,7 +8797,7 @@
   </dgm:layoutNode>
   <dgm:extLst>
     <a:ext uri="{4F341089-5ED1-44EC-B178-C955D00A3D55}">
-      <dgm1611:autoBuNodeInfoLst xmlns:dgm1611="http://schemas.microsoft.com/office/drawing/2016/11/diagram" xmlns="">
+      <dgm1611:autoBuNodeInfoLst xmlns="" xmlns:dgm1611="http://schemas.microsoft.com/office/drawing/2016/11/diagram">
         <dgm1611:autoBuNodeInfo lvl="1" ptType="sibTrans">
           <dgm1611:buPr prefix="" leadZeros="1">
             <a:buAutoNum type="arabicParenBoth"/>
@@ -9086,7 +9086,7 @@
   </dgm:layoutNode>
   <dgm:extLst>
     <a:ext uri="{68A01E43-0DF5-4B5B-8FA6-DAF915123BFB}">
-      <dgm1612:lstStyle xmlns:dgm1612="http://schemas.microsoft.com/office/drawing/2016/12/diagram" xmlns="">
+      <dgm1612:lstStyle xmlns="" xmlns:dgm1612="http://schemas.microsoft.com/office/drawing/2016/12/diagram">
         <a:lvl1pPr>
           <a:lnSpc>
             <a:spcPct val="100000"/>
@@ -9294,7 +9294,7 @@
   </dgm:layoutNode>
   <dgm:extLst>
     <a:ext uri="{68A01E43-0DF5-4B5B-8FA6-DAF915123BFB}">
-      <dgm1612:lstStyle xmlns:dgm1612="http://schemas.microsoft.com/office/drawing/2016/12/diagram" xmlns="">
+      <dgm1612:lstStyle xmlns="" xmlns:dgm1612="http://schemas.microsoft.com/office/drawing/2016/12/diagram">
         <a:lvl1pPr>
           <a:lnSpc>
             <a:spcPct val="100000"/>
@@ -21835,7 +21835,14 @@
                 <a:latin typeface="Yu Gothic UI Light" panose="020B0300000000000000" pitchFamily="34" charset="-128"/>
                 <a:ea typeface="Yu Gothic UI Light" panose="020B0300000000000000" pitchFamily="34" charset="-128"/>
               </a:rPr>
-              <a:t> is An </a:t>
+              <a:t> is </a:t>
+            </a:r>
+            <a:r>
+              <a:rPr lang="en-GB" dirty="0" smtClean="0">
+                <a:latin typeface="Yu Gothic UI Light" panose="020B0300000000000000" pitchFamily="34" charset="-128"/>
+                <a:ea typeface="Yu Gothic UI Light" panose="020B0300000000000000" pitchFamily="34" charset="-128"/>
+              </a:rPr>
+              <a:t>an </a:t>
             </a:r>
             <a:r>
               <a:rPr lang="en-GB" dirty="0">
@@ -27508,18 +27515,18 @@
 </file>
 
 <file path=customXml/item2.xml><?xml version="1.0" encoding="utf-8"?>
+<p:properties xmlns:p="http://schemas.microsoft.com/office/2006/metadata/properties" xmlns:xsi="http://www.w3.org/2001/XMLSchema-instance" xmlns:pc="http://schemas.microsoft.com/office/infopath/2007/PartnerControls">
+  <documentManagement/>
+</p:properties>
+</file>
+
+<file path=customXml/item3.xml><?xml version="1.0" encoding="utf-8"?>
 <?mso-contentType ?>
 <FormTemplates xmlns="http://schemas.microsoft.com/sharepoint/v3/contenttype/forms">
   <Display>DocumentLibraryForm</Display>
   <Edit>DocumentLibraryForm</Edit>
   <New>DocumentLibraryForm</New>
 </FormTemplates>
-</file>
-
-<file path=customXml/item3.xml><?xml version="1.0" encoding="utf-8"?>
-<p:properties xmlns:p="http://schemas.microsoft.com/office/2006/metadata/properties" xmlns:xsi="http://www.w3.org/2001/XMLSchema-instance" xmlns:pc="http://schemas.microsoft.com/office/infopath/2007/PartnerControls">
-  <documentManagement/>
-</p:properties>
 </file>
 
 <file path=customXml/itemProps1.xml><?xml version="1.0" encoding="utf-8"?>
@@ -27542,14 +27549,6 @@
 </file>
 
 <file path=customXml/itemProps2.xml><?xml version="1.0" encoding="utf-8"?>
-<ds:datastoreItem xmlns:ds="http://schemas.openxmlformats.org/officeDocument/2006/customXml" ds:itemID="{143AE1C4-36D1-4585-A5AC-812424636206}">
-  <ds:schemaRefs>
-    <ds:schemaRef ds:uri="http://schemas.microsoft.com/sharepoint/v3/contenttype/forms"/>
-  </ds:schemaRefs>
-</ds:datastoreItem>
-</file>
-
-<file path=customXml/itemProps3.xml><?xml version="1.0" encoding="utf-8"?>
 <ds:datastoreItem xmlns:ds="http://schemas.openxmlformats.org/officeDocument/2006/customXml" ds:itemID="{EB201BA1-E35A-43A2-BCBB-FBE7C5568A2A}">
   <ds:schemaRefs>
     <ds:schemaRef ds:uri="http://purl.org/dc/elements/1.1/"/>
@@ -27564,4 +27563,12 @@
     <ds:schemaRef ds:uri="http://www.w3.org/XML/1998/namespace"/>
   </ds:schemaRefs>
 </ds:datastoreItem>
+</file>
+
+<file path=customXml/itemProps3.xml><?xml version="1.0" encoding="utf-8"?>
+<ds:datastoreItem xmlns:ds="http://schemas.openxmlformats.org/officeDocument/2006/customXml" ds:itemID="{143AE1C4-36D1-4585-A5AC-812424636206}">
+  <ds:schemaRefs>
+    <ds:schemaRef ds:uri="http://schemas.microsoft.com/sharepoint/v3/contenttype/forms"/>
+  </ds:schemaRefs>
+</ds:datastoreItem>
 </file>
--- a/Document/EchoFlightsPPT.pptx
+++ b/Document/EchoFlightsPPT.pptx
@@ -5,7 +5,7 @@
     <p:sldMasterId id="2147483893" r:id="rId4"/>
   </p:sldMasterIdLst>
   <p:notesMasterIdLst>
-    <p:notesMasterId r:id="rId16"/>
+    <p:notesMasterId r:id="rId17"/>
   </p:notesMasterIdLst>
   <p:sldIdLst>
     <p:sldId id="256" r:id="rId5"/>
@@ -16,9 +16,10 @@
     <p:sldId id="262" r:id="rId10"/>
     <p:sldId id="261" r:id="rId11"/>
     <p:sldId id="263" r:id="rId12"/>
-    <p:sldId id="264" r:id="rId13"/>
-    <p:sldId id="265" r:id="rId14"/>
-    <p:sldId id="266" r:id="rId15"/>
+    <p:sldId id="267" r:id="rId13"/>
+    <p:sldId id="264" r:id="rId14"/>
+    <p:sldId id="265" r:id="rId15"/>
+    <p:sldId id="266" r:id="rId16"/>
   </p:sldIdLst>
   <p:sldSz cx="12192000" cy="6858000"/>
   <p:notesSz cx="6858000" cy="9144000"/>
@@ -4069,7 +4070,7 @@
               <a:latin typeface="Yu Gothic UI Semilight" panose="020B0400000000000000" pitchFamily="34" charset="-128"/>
               <a:ea typeface="Yu Gothic UI Semilight" panose="020B0400000000000000" pitchFamily="34" charset="-128"/>
             </a:rPr>
-            <a:t>Customer/User the freedom to Search/Book </a:t>
+            <a:t>Customer/User to Search/Book </a:t>
           </a:r>
           <a:r>
             <a:rPr lang="en-IN" sz="1600" dirty="0" err="1" smtClean="0">
@@ -4806,7 +4807,7 @@
             <a:defRPr b="1"/>
           </a:pPr>
           <a:r>
-            <a:rPr lang="en-US" dirty="0"/>
+            <a:rPr lang="en-US"/>
             <a:t>Data Access Layer</a:t>
           </a:r>
         </a:p>
@@ -4847,7 +4848,7 @@
           </a:r>
           <a:r>
             <a:rPr lang="en-IN" dirty="0" smtClean="0"/>
-            <a:t>Spring Boot.</a:t>
+            <a:t>JPA</a:t>
           </a:r>
           <a:endParaRPr lang="en-US" dirty="0"/>
         </a:p>
@@ -4886,7 +4887,7 @@
             <a:defRPr b="1"/>
           </a:pPr>
           <a:r>
-            <a:rPr lang="en-US" dirty="0"/>
+            <a:rPr lang="en-US"/>
             <a:t>Business Logic Layer</a:t>
           </a:r>
         </a:p>
@@ -4922,10 +4923,18 @@
         <a:lstStyle/>
         <a:p>
           <a:r>
-            <a:rPr lang="en-IN"/>
-            <a:t>Provides all the business logic to implement the system. </a:t>
+            <a:rPr lang="en-IN" dirty="0"/>
+            <a:t>Provides all the business logic to implement the </a:t>
           </a:r>
-          <a:endParaRPr lang="en-US"/>
+          <a:r>
+            <a:rPr lang="en-IN" dirty="0" smtClean="0"/>
+            <a:t>system using </a:t>
+          </a:r>
+          <a:r>
+            <a:rPr lang="en-IN" dirty="0" err="1" smtClean="0"/>
+            <a:t>SpringBoot</a:t>
+          </a:r>
+          <a:endParaRPr lang="en-US" dirty="0"/>
         </a:p>
       </dgm:t>
     </dgm:pt>
@@ -5003,7 +5012,11 @@
         <a:p>
           <a:r>
             <a:rPr lang="en-IN" dirty="0"/>
-            <a:t>Contains all the web pages as well as user  interactions with the system. </a:t>
+            <a:t>Contains all the web pages as well as user  interactions with the </a:t>
+          </a:r>
+          <a:r>
+            <a:rPr lang="en-IN" dirty="0" smtClean="0"/>
+            <a:t>system using Angular</a:t>
           </a:r>
           <a:endParaRPr lang="en-US" dirty="0"/>
         </a:p>
@@ -5356,7 +5369,7 @@
               <a:latin typeface="Yu Gothic UI Semilight" panose="020B0400000000000000" pitchFamily="34" charset="-128"/>
               <a:ea typeface="Yu Gothic UI Semilight" panose="020B0400000000000000" pitchFamily="34" charset="-128"/>
             </a:rPr>
-            <a:t>Dashboard(Admin Only)</a:t>
+            <a:t>Dashboard(Admin)</a:t>
           </a:r>
           <a:endParaRPr lang="en-IN" sz="1400" dirty="0">
             <a:latin typeface="Yu Gothic UI Semilight" panose="020B0400000000000000" pitchFamily="34" charset="-128"/>
@@ -5532,7 +5545,7 @@
               <a:latin typeface="Yu Gothic UI Semilight" panose="020B0400000000000000" pitchFamily="34" charset="-128"/>
               <a:ea typeface="Yu Gothic UI Semilight" panose="020B0400000000000000" pitchFamily="34" charset="-128"/>
             </a:rPr>
-            <a:t>Book Tickets</a:t>
+            <a:t>Book Tickets(User)</a:t>
           </a:r>
           <a:endParaRPr lang="en-IN" sz="1400" dirty="0">
             <a:latin typeface="Yu Gothic UI Semilight" panose="020B0400000000000000" pitchFamily="34" charset="-128"/>
@@ -5572,13 +5585,13 @@
         <a:p>
           <a:pPr rtl="0"/>
           <a:r>
-            <a:rPr lang="en-GB" sz="1400" smtClean="0">
+            <a:rPr lang="en-GB" sz="1400" dirty="0" smtClean="0">
               <a:latin typeface="Yu Gothic UI Semilight" panose="020B0400000000000000" pitchFamily="34" charset="-128"/>
               <a:ea typeface="Yu Gothic UI Semilight" panose="020B0400000000000000" pitchFamily="34" charset="-128"/>
             </a:rPr>
-            <a:t>Payment</a:t>
+            <a:t>Payment(User)</a:t>
           </a:r>
-          <a:endParaRPr lang="en-IN" sz="1400">
+          <a:endParaRPr lang="en-IN" sz="1400" dirty="0">
             <a:latin typeface="Yu Gothic UI Semilight" panose="020B0400000000000000" pitchFamily="34" charset="-128"/>
             <a:ea typeface="Yu Gothic UI Semilight" panose="020B0400000000000000" pitchFamily="34" charset="-128"/>
           </a:endParaRPr>
@@ -5620,7 +5633,7 @@
               <a:latin typeface="Yu Gothic UI Semilight" panose="020B0400000000000000" pitchFamily="34" charset="-128"/>
               <a:ea typeface="Yu Gothic UI Semilight" panose="020B0400000000000000" pitchFamily="34" charset="-128"/>
             </a:rPr>
-            <a:t>Flight Management</a:t>
+            <a:t>Flight Management(Admin)</a:t>
           </a:r>
           <a:endParaRPr lang="en-IN" sz="1400" dirty="0">
             <a:latin typeface="Yu Gothic UI Semilight" panose="020B0400000000000000" pitchFamily="34" charset="-128"/>
@@ -6648,7 +6661,7 @@
               <a:latin typeface="Yu Gothic UI Semilight" panose="020B0400000000000000" pitchFamily="34" charset="-128"/>
               <a:ea typeface="Yu Gothic UI Semilight" panose="020B0400000000000000" pitchFamily="34" charset="-128"/>
             </a:rPr>
-            <a:t>Customer/User the freedom to Search/Book </a:t>
+            <a:t>Customer/User to Search/Book </a:t>
           </a:r>
           <a:r>
             <a:rPr lang="en-IN" sz="1600" kern="1200" dirty="0" err="1" smtClean="0">
@@ -7292,7 +7305,7 @@
             <a:defRPr b="1"/>
           </a:pPr>
           <a:r>
-            <a:rPr lang="en-US" sz="2000" kern="1200" dirty="0"/>
+            <a:rPr lang="en-US" sz="2000" kern="1200"/>
             <a:t>Data Access Layer</a:t>
           </a:r>
         </a:p>
@@ -7356,7 +7369,7 @@
           </a:r>
           <a:r>
             <a:rPr lang="en-IN" sz="1500" kern="1200" dirty="0" smtClean="0"/>
-            <a:t>Spring Boot.</a:t>
+            <a:t>JPA</a:t>
           </a:r>
           <a:endParaRPr lang="en-US" sz="1500" kern="1200" dirty="0"/>
         </a:p>
@@ -7465,7 +7478,7 @@
             <a:defRPr b="1"/>
           </a:pPr>
           <a:r>
-            <a:rPr lang="en-US" sz="2000" kern="1200" dirty="0"/>
+            <a:rPr lang="en-US" sz="2000" kern="1200"/>
             <a:t>Business Logic Layer</a:t>
           </a:r>
         </a:p>
@@ -7524,10 +7537,18 @@
             </a:spcAft>
           </a:pPr>
           <a:r>
-            <a:rPr lang="en-IN" sz="1500" kern="1200"/>
-            <a:t>Provides all the business logic to implement the system. </a:t>
+            <a:rPr lang="en-IN" sz="1500" kern="1200" dirty="0"/>
+            <a:t>Provides all the business logic to implement the </a:t>
           </a:r>
-          <a:endParaRPr lang="en-US" sz="1500" kern="1200"/>
+          <a:r>
+            <a:rPr lang="en-IN" sz="1500" kern="1200" dirty="0" smtClean="0"/>
+            <a:t>system using </a:t>
+          </a:r>
+          <a:r>
+            <a:rPr lang="en-IN" sz="1500" kern="1200" dirty="0" err="1" smtClean="0"/>
+            <a:t>SpringBoot</a:t>
+          </a:r>
+          <a:endParaRPr lang="en-US" sz="1500" kern="1200" dirty="0"/>
         </a:p>
       </dsp:txBody>
       <dsp:txXfrm>
@@ -7698,7 +7719,11 @@
           </a:pPr>
           <a:r>
             <a:rPr lang="en-IN" sz="1500" kern="1200" dirty="0"/>
-            <a:t>Contains all the web pages as well as user  interactions with the system. </a:t>
+            <a:t>Contains all the web pages as well as user  interactions with the </a:t>
+          </a:r>
+          <a:r>
+            <a:rPr lang="en-IN" sz="1500" kern="1200" dirty="0" smtClean="0"/>
+            <a:t>system using Angular</a:t>
           </a:r>
           <a:endParaRPr lang="en-US" sz="1500" kern="1200" dirty="0"/>
         </a:p>
@@ -7824,7 +7849,7 @@
               <a:latin typeface="Yu Gothic UI Semilight" panose="020B0400000000000000" pitchFamily="34" charset="-128"/>
               <a:ea typeface="Yu Gothic UI Semilight" panose="020B0400000000000000" pitchFamily="34" charset="-128"/>
             </a:rPr>
-            <a:t>Dashboard(Admin Only)</a:t>
+            <a:t>Dashboard(Admin)</a:t>
           </a:r>
           <a:endParaRPr lang="en-IN" sz="1400" kern="1200" dirty="0">
             <a:latin typeface="Yu Gothic UI Semilight" panose="020B0400000000000000" pitchFamily="34" charset="-128"/>
@@ -8292,7 +8317,7 @@
               <a:latin typeface="Yu Gothic UI Semilight" panose="020B0400000000000000" pitchFamily="34" charset="-128"/>
               <a:ea typeface="Yu Gothic UI Semilight" panose="020B0400000000000000" pitchFamily="34" charset="-128"/>
             </a:rPr>
-            <a:t>Book Tickets</a:t>
+            <a:t>Book Tickets(User)</a:t>
           </a:r>
           <a:endParaRPr lang="en-IN" sz="1400" kern="1200" dirty="0">
             <a:latin typeface="Yu Gothic UI Semilight" panose="020B0400000000000000" pitchFamily="34" charset="-128"/>
@@ -8405,13 +8430,13 @@
             </a:spcAft>
           </a:pPr>
           <a:r>
-            <a:rPr lang="en-GB" sz="1400" kern="1200" smtClean="0">
+            <a:rPr lang="en-GB" sz="1400" kern="1200" dirty="0" smtClean="0">
               <a:latin typeface="Yu Gothic UI Semilight" panose="020B0400000000000000" pitchFamily="34" charset="-128"/>
               <a:ea typeface="Yu Gothic UI Semilight" panose="020B0400000000000000" pitchFamily="34" charset="-128"/>
             </a:rPr>
-            <a:t>Payment</a:t>
+            <a:t>Payment(User)</a:t>
           </a:r>
-          <a:endParaRPr lang="en-IN" sz="1400" kern="1200">
+          <a:endParaRPr lang="en-IN" sz="1400" kern="1200" dirty="0">
             <a:latin typeface="Yu Gothic UI Semilight" panose="020B0400000000000000" pitchFamily="34" charset="-128"/>
             <a:ea typeface="Yu Gothic UI Semilight" panose="020B0400000000000000" pitchFamily="34" charset="-128"/>
           </a:endParaRPr>
@@ -8526,7 +8551,7 @@
               <a:latin typeface="Yu Gothic UI Semilight" panose="020B0400000000000000" pitchFamily="34" charset="-128"/>
               <a:ea typeface="Yu Gothic UI Semilight" panose="020B0400000000000000" pitchFamily="34" charset="-128"/>
             </a:rPr>
-            <a:t>Flight Management</a:t>
+            <a:t>Flight Management(Admin)</a:t>
           </a:r>
           <a:endParaRPr lang="en-IN" sz="1400" kern="1200" dirty="0">
             <a:latin typeface="Yu Gothic UI Semilight" panose="020B0400000000000000" pitchFamily="34" charset="-128"/>
@@ -14405,7 +14430,7 @@
           <a:p>
             <a:fld id="{9AA15186-3314-47BF-9B68-BE130DECC2CC}" type="datetimeFigureOut">
               <a:rPr lang="en-IN" smtClean="0"/>
-              <a:t>10-01-2022</a:t>
+              <a:t>11-01-2022</a:t>
             </a:fld>
             <a:endParaRPr lang="en-IN"/>
           </a:p>
@@ -15175,7 +15200,7 @@
           <a:p>
             <a:fld id="{2EDF1F6C-4A97-461E-9B72-22DF079B8C26}" type="datetimeFigureOut">
               <a:rPr lang="en-IN" smtClean="0"/>
-              <a:t>10-01-2022</a:t>
+              <a:t>11-01-2022</a:t>
             </a:fld>
             <a:endParaRPr lang="en-IN"/>
           </a:p>
@@ -15471,7 +15496,7 @@
           <a:p>
             <a:fld id="{2EDF1F6C-4A97-461E-9B72-22DF079B8C26}" type="datetimeFigureOut">
               <a:rPr lang="en-IN" smtClean="0"/>
-              <a:t>10-01-2022</a:t>
+              <a:t>11-01-2022</a:t>
             </a:fld>
             <a:endParaRPr lang="en-IN"/>
           </a:p>
@@ -15719,7 +15744,7 @@
           <a:p>
             <a:fld id="{2EDF1F6C-4A97-461E-9B72-22DF079B8C26}" type="datetimeFigureOut">
               <a:rPr lang="en-IN" smtClean="0"/>
-              <a:t>10-01-2022</a:t>
+              <a:t>11-01-2022</a:t>
             </a:fld>
             <a:endParaRPr lang="en-IN"/>
           </a:p>
@@ -16259,7 +16284,7 @@
           <a:p>
             <a:fld id="{2EDF1F6C-4A97-461E-9B72-22DF079B8C26}" type="datetimeFigureOut">
               <a:rPr lang="en-IN" smtClean="0"/>
-              <a:t>10-01-2022</a:t>
+              <a:t>11-01-2022</a:t>
             </a:fld>
             <a:endParaRPr lang="en-IN"/>
           </a:p>
@@ -16507,7 +16532,7 @@
           <a:p>
             <a:fld id="{2EDF1F6C-4A97-461E-9B72-22DF079B8C26}" type="datetimeFigureOut">
               <a:rPr lang="en-IN" smtClean="0"/>
-              <a:t>10-01-2022</a:t>
+              <a:t>11-01-2022</a:t>
             </a:fld>
             <a:endParaRPr lang="en-IN"/>
           </a:p>
@@ -17039,7 +17064,7 @@
           <a:p>
             <a:fld id="{2EDF1F6C-4A97-461E-9B72-22DF079B8C26}" type="datetimeFigureOut">
               <a:rPr lang="en-IN" smtClean="0"/>
-              <a:t>10-01-2022</a:t>
+              <a:t>11-01-2022</a:t>
             </a:fld>
             <a:endParaRPr lang="en-IN"/>
           </a:p>
@@ -17336,7 +17361,7 @@
           <a:p>
             <a:fld id="{2EDF1F6C-4A97-461E-9B72-22DF079B8C26}" type="datetimeFigureOut">
               <a:rPr lang="en-IN" smtClean="0"/>
-              <a:t>10-01-2022</a:t>
+              <a:t>11-01-2022</a:t>
             </a:fld>
             <a:endParaRPr lang="en-IN"/>
           </a:p>
@@ -17510,7 +17535,7 @@
           <a:p>
             <a:fld id="{2EDF1F6C-4A97-461E-9B72-22DF079B8C26}" type="datetimeFigureOut">
               <a:rPr lang="en-IN" smtClean="0"/>
-              <a:t>10-01-2022</a:t>
+              <a:t>11-01-2022</a:t>
             </a:fld>
             <a:endParaRPr lang="en-IN"/>
           </a:p>
@@ -17690,7 +17715,7 @@
           <a:p>
             <a:fld id="{2EDF1F6C-4A97-461E-9B72-22DF079B8C26}" type="datetimeFigureOut">
               <a:rPr lang="en-IN" smtClean="0"/>
-              <a:t>10-01-2022</a:t>
+              <a:t>11-01-2022</a:t>
             </a:fld>
             <a:endParaRPr lang="en-IN"/>
           </a:p>
@@ -17860,7 +17885,7 @@
           <a:p>
             <a:fld id="{2EDF1F6C-4A97-461E-9B72-22DF079B8C26}" type="datetimeFigureOut">
               <a:rPr lang="en-IN" smtClean="0"/>
-              <a:t>10-01-2022</a:t>
+              <a:t>11-01-2022</a:t>
             </a:fld>
             <a:endParaRPr lang="en-IN"/>
           </a:p>
@@ -18111,7 +18136,7 @@
           <a:p>
             <a:fld id="{2EDF1F6C-4A97-461E-9B72-22DF079B8C26}" type="datetimeFigureOut">
               <a:rPr lang="en-IN" smtClean="0"/>
-              <a:t>10-01-2022</a:t>
+              <a:t>11-01-2022</a:t>
             </a:fld>
             <a:endParaRPr lang="en-IN"/>
           </a:p>
@@ -18408,7 +18433,7 @@
           <a:p>
             <a:fld id="{2EDF1F6C-4A97-461E-9B72-22DF079B8C26}" type="datetimeFigureOut">
               <a:rPr lang="en-IN" smtClean="0"/>
-              <a:t>10-01-2022</a:t>
+              <a:t>11-01-2022</a:t>
             </a:fld>
             <a:endParaRPr lang="en-IN"/>
           </a:p>
@@ -18850,7 +18875,7 @@
           <a:p>
             <a:fld id="{2EDF1F6C-4A97-461E-9B72-22DF079B8C26}" type="datetimeFigureOut">
               <a:rPr lang="en-IN" smtClean="0"/>
-              <a:t>10-01-2022</a:t>
+              <a:t>11-01-2022</a:t>
             </a:fld>
             <a:endParaRPr lang="en-IN"/>
           </a:p>
@@ -18968,7 +18993,7 @@
           <a:p>
             <a:fld id="{2EDF1F6C-4A97-461E-9B72-22DF079B8C26}" type="datetimeFigureOut">
               <a:rPr lang="en-IN" smtClean="0"/>
-              <a:t>10-01-2022</a:t>
+              <a:t>11-01-2022</a:t>
             </a:fld>
             <a:endParaRPr lang="en-IN"/>
           </a:p>
@@ -19063,7 +19088,7 @@
           <a:p>
             <a:fld id="{2EDF1F6C-4A97-461E-9B72-22DF079B8C26}" type="datetimeFigureOut">
               <a:rPr lang="en-IN" smtClean="0"/>
-              <a:t>10-01-2022</a:t>
+              <a:t>11-01-2022</a:t>
             </a:fld>
             <a:endParaRPr lang="en-IN"/>
           </a:p>
@@ -19346,7 +19371,7 @@
           <a:p>
             <a:fld id="{2EDF1F6C-4A97-461E-9B72-22DF079B8C26}" type="datetimeFigureOut">
               <a:rPr lang="en-IN" smtClean="0"/>
-              <a:t>10-01-2022</a:t>
+              <a:t>11-01-2022</a:t>
             </a:fld>
             <a:endParaRPr lang="en-IN"/>
           </a:p>
@@ -19637,7 +19662,7 @@
           <a:p>
             <a:fld id="{2EDF1F6C-4A97-461E-9B72-22DF079B8C26}" type="datetimeFigureOut">
               <a:rPr lang="en-IN" smtClean="0"/>
-              <a:t>10-01-2022</a:t>
+              <a:t>11-01-2022</a:t>
             </a:fld>
             <a:endParaRPr lang="en-IN"/>
           </a:p>
@@ -20167,7 +20192,7 @@
           <a:p>
             <a:fld id="{2EDF1F6C-4A97-461E-9B72-22DF079B8C26}" type="datetimeFigureOut">
               <a:rPr lang="en-IN" smtClean="0"/>
-              <a:t>10-01-2022</a:t>
+              <a:t>11-01-2022</a:t>
             </a:fld>
             <a:endParaRPr lang="en-IN"/>
           </a:p>
@@ -20773,8 +20798,8 @@
         </p:nvSpPr>
         <p:spPr>
           <a:xfrm>
-            <a:off x="9056915" y="4878549"/>
-            <a:ext cx="4252686" cy="1631216"/>
+            <a:off x="9984510" y="4878549"/>
+            <a:ext cx="3325090" cy="1631216"/>
           </a:xfrm>
           <a:prstGeom prst="rect">
             <a:avLst/>
@@ -20793,22 +20818,6 @@
                 <a:ea typeface="Yu Gothic UI Semilight" panose="020B0400000000000000" pitchFamily="34" charset="-128"/>
               </a:rPr>
               <a:t>Developed By: </a:t>
-            </a:r>
-          </a:p>
-          <a:p>
-            <a:r>
-              <a:rPr lang="en-GB" sz="2000" dirty="0">
-                <a:latin typeface="Yu Gothic UI Semilight" panose="020B0400000000000000" pitchFamily="34" charset="-128"/>
-                <a:ea typeface="Yu Gothic UI Semilight" panose="020B0400000000000000" pitchFamily="34" charset="-128"/>
-              </a:rPr>
-              <a:t>Vikas </a:t>
-            </a:r>
-            <a:r>
-              <a:rPr lang="en-GB" sz="2000" dirty="0" smtClean="0">
-                <a:latin typeface="Yu Gothic UI Semilight" panose="020B0400000000000000" pitchFamily="34" charset="-128"/>
-                <a:ea typeface="Yu Gothic UI Semilight" panose="020B0400000000000000" pitchFamily="34" charset="-128"/>
-              </a:rPr>
-              <a:t>Dhiman (Team lead)</a:t>
             </a:r>
           </a:p>
           <a:p>
@@ -20846,6 +20855,33 @@
               </a:rPr>
               <a:t>Prateek Sharma</a:t>
             </a:r>
+          </a:p>
+          <a:p>
+            <a:r>
+              <a:rPr lang="en-GB" sz="2000" dirty="0" err="1" smtClean="0">
+                <a:latin typeface="Yu Gothic UI Semilight" panose="020B0400000000000000" pitchFamily="34" charset="-128"/>
+                <a:ea typeface="Yu Gothic UI Semilight" panose="020B0400000000000000" pitchFamily="34" charset="-128"/>
+              </a:rPr>
+              <a:t>Vikas</a:t>
+            </a:r>
+            <a:r>
+              <a:rPr lang="en-GB" sz="2000" dirty="0" smtClean="0">
+                <a:latin typeface="Yu Gothic UI Semilight" panose="020B0400000000000000" pitchFamily="34" charset="-128"/>
+                <a:ea typeface="Yu Gothic UI Semilight" panose="020B0400000000000000" pitchFamily="34" charset="-128"/>
+              </a:rPr>
+              <a:t> </a:t>
+            </a:r>
+            <a:r>
+              <a:rPr lang="en-GB" sz="2000" dirty="0" err="1" smtClean="0">
+                <a:latin typeface="Yu Gothic UI Semilight" panose="020B0400000000000000" pitchFamily="34" charset="-128"/>
+                <a:ea typeface="Yu Gothic UI Semilight" panose="020B0400000000000000" pitchFamily="34" charset="-128"/>
+              </a:rPr>
+              <a:t>Dhiman</a:t>
+            </a:r>
+            <a:endParaRPr lang="en-GB" sz="2000" dirty="0" smtClean="0">
+              <a:latin typeface="Yu Gothic UI Semilight" panose="020B0400000000000000" pitchFamily="34" charset="-128"/>
+              <a:ea typeface="Yu Gothic UI Semilight" panose="020B0400000000000000" pitchFamily="34" charset="-128"/>
+            </a:endParaRPr>
           </a:p>
           <a:p>
             <a:r>
@@ -20948,6 +20984,703 @@
         </p:nvSpPr>
         <p:spPr>
           <a:xfrm>
+            <a:off x="1348509" y="1998806"/>
+            <a:ext cx="682297" cy="2541731"/>
+          </a:xfrm>
+        </p:spPr>
+        <p:txBody>
+          <a:bodyPr>
+            <a:noAutofit/>
+          </a:bodyPr>
+          <a:lstStyle/>
+          <a:p>
+            <a:r>
+              <a:rPr lang="en-GB" sz="2800" dirty="0" smtClean="0">
+                <a:solidFill>
+                  <a:srgbClr val="0B5395"/>
+                </a:solidFill>
+                <a:latin typeface="Yu Gothic UI Semilight" panose="020B0400000000000000" pitchFamily="34" charset="-128"/>
+                <a:ea typeface="Yu Gothic UI Semilight" panose="020B0400000000000000" pitchFamily="34" charset="-128"/>
+              </a:rPr>
+              <a:t>T</a:t>
+            </a:r>
+            <a:br>
+              <a:rPr lang="en-GB" sz="2800" dirty="0" smtClean="0">
+                <a:solidFill>
+                  <a:srgbClr val="0B5395"/>
+                </a:solidFill>
+                <a:latin typeface="Yu Gothic UI Semilight" panose="020B0400000000000000" pitchFamily="34" charset="-128"/>
+                <a:ea typeface="Yu Gothic UI Semilight" panose="020B0400000000000000" pitchFamily="34" charset="-128"/>
+              </a:rPr>
+            </a:br>
+            <a:r>
+              <a:rPr lang="en-GB" sz="2800" dirty="0" smtClean="0">
+                <a:solidFill>
+                  <a:srgbClr val="0B5395"/>
+                </a:solidFill>
+                <a:latin typeface="Yu Gothic UI Semilight" panose="020B0400000000000000" pitchFamily="34" charset="-128"/>
+                <a:ea typeface="Yu Gothic UI Semilight" panose="020B0400000000000000" pitchFamily="34" charset="-128"/>
+              </a:rPr>
+              <a:t>A</a:t>
+            </a:r>
+            <a:br>
+              <a:rPr lang="en-GB" sz="2800" dirty="0" smtClean="0">
+                <a:solidFill>
+                  <a:srgbClr val="0B5395"/>
+                </a:solidFill>
+                <a:latin typeface="Yu Gothic UI Semilight" panose="020B0400000000000000" pitchFamily="34" charset="-128"/>
+                <a:ea typeface="Yu Gothic UI Semilight" panose="020B0400000000000000" pitchFamily="34" charset="-128"/>
+              </a:rPr>
+            </a:br>
+            <a:r>
+              <a:rPr lang="en-GB" sz="2800" dirty="0" smtClean="0">
+                <a:solidFill>
+                  <a:srgbClr val="0B5395"/>
+                </a:solidFill>
+                <a:latin typeface="Yu Gothic UI Semilight" panose="020B0400000000000000" pitchFamily="34" charset="-128"/>
+                <a:ea typeface="Yu Gothic UI Semilight" panose="020B0400000000000000" pitchFamily="34" charset="-128"/>
+              </a:rPr>
+              <a:t>B</a:t>
+            </a:r>
+            <a:br>
+              <a:rPr lang="en-GB" sz="2800" dirty="0" smtClean="0">
+                <a:solidFill>
+                  <a:srgbClr val="0B5395"/>
+                </a:solidFill>
+                <a:latin typeface="Yu Gothic UI Semilight" panose="020B0400000000000000" pitchFamily="34" charset="-128"/>
+                <a:ea typeface="Yu Gothic UI Semilight" panose="020B0400000000000000" pitchFamily="34" charset="-128"/>
+              </a:rPr>
+            </a:br>
+            <a:r>
+              <a:rPr lang="en-GB" sz="2800" dirty="0" smtClean="0">
+                <a:solidFill>
+                  <a:srgbClr val="0B5395"/>
+                </a:solidFill>
+                <a:latin typeface="Yu Gothic UI Semilight" panose="020B0400000000000000" pitchFamily="34" charset="-128"/>
+                <a:ea typeface="Yu Gothic UI Semilight" panose="020B0400000000000000" pitchFamily="34" charset="-128"/>
+              </a:rPr>
+              <a:t>L</a:t>
+            </a:r>
+            <a:br>
+              <a:rPr lang="en-GB" sz="2800" dirty="0" smtClean="0">
+                <a:solidFill>
+                  <a:srgbClr val="0B5395"/>
+                </a:solidFill>
+                <a:latin typeface="Yu Gothic UI Semilight" panose="020B0400000000000000" pitchFamily="34" charset="-128"/>
+                <a:ea typeface="Yu Gothic UI Semilight" panose="020B0400000000000000" pitchFamily="34" charset="-128"/>
+              </a:rPr>
+            </a:br>
+            <a:r>
+              <a:rPr lang="en-GB" sz="2800" dirty="0" smtClean="0">
+                <a:solidFill>
+                  <a:srgbClr val="0B5395"/>
+                </a:solidFill>
+                <a:latin typeface="Yu Gothic UI Semilight" panose="020B0400000000000000" pitchFamily="34" charset="-128"/>
+                <a:ea typeface="Yu Gothic UI Semilight" panose="020B0400000000000000" pitchFamily="34" charset="-128"/>
+              </a:rPr>
+              <a:t>E</a:t>
+            </a:r>
+            <a:br>
+              <a:rPr lang="en-GB" sz="2800" dirty="0" smtClean="0">
+                <a:solidFill>
+                  <a:srgbClr val="0B5395"/>
+                </a:solidFill>
+                <a:latin typeface="Yu Gothic UI Semilight" panose="020B0400000000000000" pitchFamily="34" charset="-128"/>
+                <a:ea typeface="Yu Gothic UI Semilight" panose="020B0400000000000000" pitchFamily="34" charset="-128"/>
+              </a:rPr>
+            </a:br>
+            <a:r>
+              <a:rPr lang="en-GB" sz="2800" dirty="0">
+                <a:solidFill>
+                  <a:srgbClr val="0B5395"/>
+                </a:solidFill>
+                <a:latin typeface="Yu Gothic UI Semilight" panose="020B0400000000000000" pitchFamily="34" charset="-128"/>
+                <a:ea typeface="Yu Gothic UI Semilight" panose="020B0400000000000000" pitchFamily="34" charset="-128"/>
+              </a:rPr>
+              <a:t>S</a:t>
+            </a:r>
+            <a:endParaRPr lang="en-IN" sz="2800" dirty="0">
+              <a:solidFill>
+                <a:srgbClr val="0B5395"/>
+              </a:solidFill>
+              <a:latin typeface="Yu Gothic UI Semilight" panose="020B0400000000000000" pitchFamily="34" charset="-128"/>
+              <a:ea typeface="Yu Gothic UI Semilight" panose="020B0400000000000000" pitchFamily="34" charset="-128"/>
+            </a:endParaRPr>
+          </a:p>
+        </p:txBody>
+      </p:sp>
+      <p:cxnSp>
+        <p:nvCxnSpPr>
+          <p:cNvPr id="4" name="Straight Connector 3"/>
+          <p:cNvCxnSpPr/>
+          <p:nvPr/>
+        </p:nvCxnSpPr>
+        <p:spPr>
+          <a:xfrm>
+            <a:off x="2030806" y="1998806"/>
+            <a:ext cx="3752" cy="2429165"/>
+          </a:xfrm>
+          <a:prstGeom prst="line">
+            <a:avLst/>
+          </a:prstGeom>
+        </p:spPr>
+        <p:style>
+          <a:lnRef idx="1">
+            <a:schemeClr val="accent1"/>
+          </a:lnRef>
+          <a:fillRef idx="0">
+            <a:schemeClr val="accent1"/>
+          </a:fillRef>
+          <a:effectRef idx="0">
+            <a:schemeClr val="accent1"/>
+          </a:effectRef>
+          <a:fontRef idx="minor">
+            <a:schemeClr val="tx1"/>
+          </a:fontRef>
+        </p:style>
+      </p:cxnSp>
+      <p:pic>
+        <p:nvPicPr>
+          <p:cNvPr id="6" name="Picture 5"/>
+          <p:cNvPicPr>
+            <a:picLocks noChangeAspect="1"/>
+          </p:cNvPicPr>
+          <p:nvPr/>
+        </p:nvPicPr>
+        <p:blipFill rotWithShape="1">
+          <a:blip r:embed="rId2" cstate="print">
+            <a:extLst>
+              <a:ext uri="{28A0092B-C50C-407E-A947-70E740481C1C}">
+                <a14:useLocalDpi xmlns:a14="http://schemas.microsoft.com/office/drawing/2010/main" val="0"/>
+              </a:ext>
+            </a:extLst>
+          </a:blip>
+          <a:srcRect r="4601" b="78720"/>
+          <a:stretch/>
+        </p:blipFill>
+        <p:spPr>
+          <a:xfrm>
+            <a:off x="1901009" y="103138"/>
+            <a:ext cx="5651376" cy="3454692"/>
+          </a:xfrm>
+          <a:prstGeom prst="rect">
+            <a:avLst/>
+          </a:prstGeom>
+        </p:spPr>
+      </p:pic>
+      <p:pic>
+        <p:nvPicPr>
+          <p:cNvPr id="8" name="Picture 7"/>
+          <p:cNvPicPr>
+            <a:picLocks noChangeAspect="1"/>
+          </p:cNvPicPr>
+          <p:nvPr/>
+        </p:nvPicPr>
+        <p:blipFill rotWithShape="1">
+          <a:blip r:embed="rId2" cstate="print">
+            <a:extLst>
+              <a:ext uri="{28A0092B-C50C-407E-A947-70E740481C1C}">
+                <a14:useLocalDpi xmlns:a14="http://schemas.microsoft.com/office/drawing/2010/main" val="0"/>
+              </a:ext>
+            </a:extLst>
+          </a:blip>
+          <a:srcRect t="49293" b="30101"/>
+          <a:stretch/>
+        </p:blipFill>
+        <p:spPr>
+          <a:xfrm>
+            <a:off x="1636087" y="3454047"/>
+            <a:ext cx="5783267" cy="3265938"/>
+          </a:xfrm>
+          <a:prstGeom prst="rect">
+            <a:avLst/>
+          </a:prstGeom>
+        </p:spPr>
+      </p:pic>
+      <p:pic>
+        <p:nvPicPr>
+          <p:cNvPr id="9" name="Picture 8"/>
+          <p:cNvPicPr>
+            <a:picLocks noChangeAspect="1"/>
+          </p:cNvPicPr>
+          <p:nvPr/>
+        </p:nvPicPr>
+        <p:blipFill rotWithShape="1">
+          <a:blip r:embed="rId2" cstate="print">
+            <a:extLst>
+              <a:ext uri="{28A0092B-C50C-407E-A947-70E740481C1C}">
+                <a14:useLocalDpi xmlns:a14="http://schemas.microsoft.com/office/drawing/2010/main" val="0"/>
+              </a:ext>
+            </a:extLst>
+          </a:blip>
+          <a:srcRect t="25018" r="34949" b="53837"/>
+          <a:stretch/>
+        </p:blipFill>
+        <p:spPr>
+          <a:xfrm>
+            <a:off x="8104885" y="2895511"/>
+            <a:ext cx="4075373" cy="3630418"/>
+          </a:xfrm>
+          <a:prstGeom prst="rect">
+            <a:avLst/>
+          </a:prstGeom>
+        </p:spPr>
+      </p:pic>
+      <p:pic>
+        <p:nvPicPr>
+          <p:cNvPr id="10" name="Picture 9"/>
+          <p:cNvPicPr>
+            <a:picLocks noChangeAspect="1"/>
+          </p:cNvPicPr>
+          <p:nvPr/>
+        </p:nvPicPr>
+        <p:blipFill rotWithShape="1">
+          <a:blip r:embed="rId2" cstate="print">
+            <a:extLst>
+              <a:ext uri="{28A0092B-C50C-407E-A947-70E740481C1C}">
+                <a14:useLocalDpi xmlns:a14="http://schemas.microsoft.com/office/drawing/2010/main" val="0"/>
+              </a:ext>
+            </a:extLst>
+          </a:blip>
+          <a:srcRect l="369" t="89017" r="49990" b="3225"/>
+          <a:stretch/>
+        </p:blipFill>
+        <p:spPr>
+          <a:xfrm>
+            <a:off x="7419354" y="2037307"/>
+            <a:ext cx="3406862" cy="1459075"/>
+          </a:xfrm>
+          <a:prstGeom prst="rect">
+            <a:avLst/>
+          </a:prstGeom>
+        </p:spPr>
+      </p:pic>
+      <p:pic>
+        <p:nvPicPr>
+          <p:cNvPr id="11" name="Picture 10"/>
+          <p:cNvPicPr>
+            <a:picLocks noChangeAspect="1"/>
+          </p:cNvPicPr>
+          <p:nvPr/>
+        </p:nvPicPr>
+        <p:blipFill>
+          <a:blip r:embed="rId3" cstate="print">
+            <a:extLst>
+              <a:ext uri="{28A0092B-C50C-407E-A947-70E740481C1C}">
+                <a14:useLocalDpi xmlns:a14="http://schemas.microsoft.com/office/drawing/2010/main" val="0"/>
+              </a:ext>
+            </a:extLst>
+          </a:blip>
+          <a:stretch>
+            <a:fillRect/>
+          </a:stretch>
+        </p:blipFill>
+        <p:spPr>
+          <a:xfrm>
+            <a:off x="10964973" y="346596"/>
+            <a:ext cx="795308" cy="795308"/>
+          </a:xfrm>
+          <a:prstGeom prst="rect">
+            <a:avLst/>
+          </a:prstGeom>
+        </p:spPr>
+      </p:pic>
+      <p:pic>
+        <p:nvPicPr>
+          <p:cNvPr id="13" name="Picture 12"/>
+          <p:cNvPicPr>
+            <a:picLocks noChangeAspect="1"/>
+          </p:cNvPicPr>
+          <p:nvPr/>
+        </p:nvPicPr>
+        <p:blipFill rotWithShape="1">
+          <a:blip r:embed="rId2" cstate="print">
+            <a:extLst>
+              <a:ext uri="{28A0092B-C50C-407E-A947-70E740481C1C}">
+                <a14:useLocalDpi xmlns:a14="http://schemas.microsoft.com/office/drawing/2010/main" val="0"/>
+              </a:ext>
+            </a:extLst>
+          </a:blip>
+          <a:srcRect l="369" t="74478" r="40306" b="13490"/>
+          <a:stretch/>
+        </p:blipFill>
+        <p:spPr>
+          <a:xfrm>
+            <a:off x="7324704" y="16977"/>
+            <a:ext cx="3544299" cy="1969892"/>
+          </a:xfrm>
+          <a:prstGeom prst="rect">
+            <a:avLst/>
+          </a:prstGeom>
+        </p:spPr>
+      </p:pic>
+    </p:spTree>
+    <p:extLst>
+      <p:ext uri="{BB962C8B-B14F-4D97-AF65-F5344CB8AC3E}">
+        <p14:creationId xmlns:p14="http://schemas.microsoft.com/office/powerpoint/2010/main" val="3255698111"/>
+      </p:ext>
+    </p:extLst>
+  </p:cSld>
+  <p:clrMapOvr>
+    <a:masterClrMapping/>
+  </p:clrMapOvr>
+  <p:timing>
+    <p:tnLst>
+      <p:par>
+        <p:cTn id="1" dur="indefinite" restart="never" nodeType="tmRoot">
+          <p:childTnLst>
+            <p:seq concurrent="1" nextAc="seek">
+              <p:cTn id="2" dur="indefinite" nodeType="mainSeq">
+                <p:childTnLst>
+                  <p:par>
+                    <p:cTn id="3" fill="hold">
+                      <p:stCondLst>
+                        <p:cond delay="indefinite"/>
+                      </p:stCondLst>
+                      <p:childTnLst>
+                        <p:par>
+                          <p:cTn id="4" fill="hold">
+                            <p:stCondLst>
+                              <p:cond delay="0"/>
+                            </p:stCondLst>
+                            <p:childTnLst>
+                              <p:par>
+                                <p:cTn id="5" presetID="42" presetClass="entr" presetSubtype="0" fill="hold" grpId="0" nodeType="clickEffect">
+                                  <p:stCondLst>
+                                    <p:cond delay="0"/>
+                                  </p:stCondLst>
+                                  <p:childTnLst>
+                                    <p:set>
+                                      <p:cBhvr>
+                                        <p:cTn id="6" dur="1" fill="hold">
+                                          <p:stCondLst>
+                                            <p:cond delay="0"/>
+                                          </p:stCondLst>
+                                        </p:cTn>
+                                        <p:tgtEl>
+                                          <p:spTgt spid="2"/>
+                                        </p:tgtEl>
+                                        <p:attrNameLst>
+                                          <p:attrName>style.visibility</p:attrName>
+                                        </p:attrNameLst>
+                                      </p:cBhvr>
+                                      <p:to>
+                                        <p:strVal val="visible"/>
+                                      </p:to>
+                                    </p:set>
+                                    <p:animEffect transition="in" filter="fade">
+                                      <p:cBhvr>
+                                        <p:cTn id="7" dur="1000"/>
+                                        <p:tgtEl>
+                                          <p:spTgt spid="2"/>
+                                        </p:tgtEl>
+                                      </p:cBhvr>
+                                    </p:animEffect>
+                                    <p:anim calcmode="lin" valueType="num">
+                                      <p:cBhvr>
+                                        <p:cTn id="8" dur="1000" fill="hold"/>
+                                        <p:tgtEl>
+                                          <p:spTgt spid="2"/>
+                                        </p:tgtEl>
+                                        <p:attrNameLst>
+                                          <p:attrName>ppt_x</p:attrName>
+                                        </p:attrNameLst>
+                                      </p:cBhvr>
+                                      <p:tavLst>
+                                        <p:tav tm="0">
+                                          <p:val>
+                                            <p:strVal val="#ppt_x"/>
+                                          </p:val>
+                                        </p:tav>
+                                        <p:tav tm="100000">
+                                          <p:val>
+                                            <p:strVal val="#ppt_x"/>
+                                          </p:val>
+                                        </p:tav>
+                                      </p:tavLst>
+                                    </p:anim>
+                                    <p:anim calcmode="lin" valueType="num">
+                                      <p:cBhvr>
+                                        <p:cTn id="9" dur="1000" fill="hold"/>
+                                        <p:tgtEl>
+                                          <p:spTgt spid="2"/>
+                                        </p:tgtEl>
+                                        <p:attrNameLst>
+                                          <p:attrName>ppt_y</p:attrName>
+                                        </p:attrNameLst>
+                                      </p:cBhvr>
+                                      <p:tavLst>
+                                        <p:tav tm="0">
+                                          <p:val>
+                                            <p:strVal val="#ppt_y+.1"/>
+                                          </p:val>
+                                        </p:tav>
+                                        <p:tav tm="100000">
+                                          <p:val>
+                                            <p:strVal val="#ppt_y"/>
+                                          </p:val>
+                                        </p:tav>
+                                      </p:tavLst>
+                                    </p:anim>
+                                  </p:childTnLst>
+                                </p:cTn>
+                              </p:par>
+                            </p:childTnLst>
+                          </p:cTn>
+                        </p:par>
+                      </p:childTnLst>
+                    </p:cTn>
+                  </p:par>
+                  <p:par>
+                    <p:cTn id="10" fill="hold">
+                      <p:stCondLst>
+                        <p:cond delay="indefinite"/>
+                      </p:stCondLst>
+                      <p:childTnLst>
+                        <p:par>
+                          <p:cTn id="11" fill="hold">
+                            <p:stCondLst>
+                              <p:cond delay="0"/>
+                            </p:stCondLst>
+                            <p:childTnLst>
+                              <p:par>
+                                <p:cTn id="12" presetID="16" presetClass="entr" presetSubtype="21" fill="hold" nodeType="clickEffect">
+                                  <p:stCondLst>
+                                    <p:cond delay="0"/>
+                                  </p:stCondLst>
+                                  <p:childTnLst>
+                                    <p:set>
+                                      <p:cBhvr>
+                                        <p:cTn id="13" dur="1" fill="hold">
+                                          <p:stCondLst>
+                                            <p:cond delay="0"/>
+                                          </p:stCondLst>
+                                        </p:cTn>
+                                        <p:tgtEl>
+                                          <p:spTgt spid="6"/>
+                                        </p:tgtEl>
+                                        <p:attrNameLst>
+                                          <p:attrName>style.visibility</p:attrName>
+                                        </p:attrNameLst>
+                                      </p:cBhvr>
+                                      <p:to>
+                                        <p:strVal val="visible"/>
+                                      </p:to>
+                                    </p:set>
+                                    <p:animEffect transition="in" filter="barn(inVertical)">
+                                      <p:cBhvr>
+                                        <p:cTn id="14" dur="500"/>
+                                        <p:tgtEl>
+                                          <p:spTgt spid="6"/>
+                                        </p:tgtEl>
+                                      </p:cBhvr>
+                                    </p:animEffect>
+                                  </p:childTnLst>
+                                </p:cTn>
+                              </p:par>
+                              <p:par>
+                                <p:cTn id="15" presetID="16" presetClass="entr" presetSubtype="21" fill="hold" nodeType="withEffect">
+                                  <p:stCondLst>
+                                    <p:cond delay="0"/>
+                                  </p:stCondLst>
+                                  <p:childTnLst>
+                                    <p:set>
+                                      <p:cBhvr>
+                                        <p:cTn id="16" dur="1" fill="hold">
+                                          <p:stCondLst>
+                                            <p:cond delay="0"/>
+                                          </p:stCondLst>
+                                        </p:cTn>
+                                        <p:tgtEl>
+                                          <p:spTgt spid="9"/>
+                                        </p:tgtEl>
+                                        <p:attrNameLst>
+                                          <p:attrName>style.visibility</p:attrName>
+                                        </p:attrNameLst>
+                                      </p:cBhvr>
+                                      <p:to>
+                                        <p:strVal val="visible"/>
+                                      </p:to>
+                                    </p:set>
+                                    <p:animEffect transition="in" filter="barn(inVertical)">
+                                      <p:cBhvr>
+                                        <p:cTn id="17" dur="500"/>
+                                        <p:tgtEl>
+                                          <p:spTgt spid="9"/>
+                                        </p:tgtEl>
+                                      </p:cBhvr>
+                                    </p:animEffect>
+                                  </p:childTnLst>
+                                </p:cTn>
+                              </p:par>
+                              <p:par>
+                                <p:cTn id="18" presetID="16" presetClass="entr" presetSubtype="21" fill="hold" nodeType="withEffect">
+                                  <p:stCondLst>
+                                    <p:cond delay="0"/>
+                                  </p:stCondLst>
+                                  <p:childTnLst>
+                                    <p:set>
+                                      <p:cBhvr>
+                                        <p:cTn id="19" dur="1" fill="hold">
+                                          <p:stCondLst>
+                                            <p:cond delay="0"/>
+                                          </p:stCondLst>
+                                        </p:cTn>
+                                        <p:tgtEl>
+                                          <p:spTgt spid="10"/>
+                                        </p:tgtEl>
+                                        <p:attrNameLst>
+                                          <p:attrName>style.visibility</p:attrName>
+                                        </p:attrNameLst>
+                                      </p:cBhvr>
+                                      <p:to>
+                                        <p:strVal val="visible"/>
+                                      </p:to>
+                                    </p:set>
+                                    <p:animEffect transition="in" filter="barn(inVertical)">
+                                      <p:cBhvr>
+                                        <p:cTn id="20" dur="500"/>
+                                        <p:tgtEl>
+                                          <p:spTgt spid="10"/>
+                                        </p:tgtEl>
+                                      </p:cBhvr>
+                                    </p:animEffect>
+                                  </p:childTnLst>
+                                </p:cTn>
+                              </p:par>
+                              <p:par>
+                                <p:cTn id="21" presetID="16" presetClass="entr" presetSubtype="21" fill="hold" nodeType="withEffect">
+                                  <p:stCondLst>
+                                    <p:cond delay="0"/>
+                                  </p:stCondLst>
+                                  <p:childTnLst>
+                                    <p:set>
+                                      <p:cBhvr>
+                                        <p:cTn id="22" dur="1" fill="hold">
+                                          <p:stCondLst>
+                                            <p:cond delay="0"/>
+                                          </p:stCondLst>
+                                        </p:cTn>
+                                        <p:tgtEl>
+                                          <p:spTgt spid="8"/>
+                                        </p:tgtEl>
+                                        <p:attrNameLst>
+                                          <p:attrName>style.visibility</p:attrName>
+                                        </p:attrNameLst>
+                                      </p:cBhvr>
+                                      <p:to>
+                                        <p:strVal val="visible"/>
+                                      </p:to>
+                                    </p:set>
+                                    <p:animEffect transition="in" filter="barn(inVertical)">
+                                      <p:cBhvr>
+                                        <p:cTn id="23" dur="500"/>
+                                        <p:tgtEl>
+                                          <p:spTgt spid="8"/>
+                                        </p:tgtEl>
+                                      </p:cBhvr>
+                                    </p:animEffect>
+                                  </p:childTnLst>
+                                </p:cTn>
+                              </p:par>
+                              <p:par>
+                                <p:cTn id="24" presetID="16" presetClass="entr" presetSubtype="21" fill="hold" nodeType="withEffect">
+                                  <p:stCondLst>
+                                    <p:cond delay="0"/>
+                                  </p:stCondLst>
+                                  <p:childTnLst>
+                                    <p:set>
+                                      <p:cBhvr>
+                                        <p:cTn id="25" dur="1" fill="hold">
+                                          <p:stCondLst>
+                                            <p:cond delay="0"/>
+                                          </p:stCondLst>
+                                        </p:cTn>
+                                        <p:tgtEl>
+                                          <p:spTgt spid="13"/>
+                                        </p:tgtEl>
+                                        <p:attrNameLst>
+                                          <p:attrName>style.visibility</p:attrName>
+                                        </p:attrNameLst>
+                                      </p:cBhvr>
+                                      <p:to>
+                                        <p:strVal val="visible"/>
+                                      </p:to>
+                                    </p:set>
+                                    <p:animEffect transition="in" filter="barn(inVertical)">
+                                      <p:cBhvr>
+                                        <p:cTn id="26" dur="500"/>
+                                        <p:tgtEl>
+                                          <p:spTgt spid="13"/>
+                                        </p:tgtEl>
+                                      </p:cBhvr>
+                                    </p:animEffect>
+                                  </p:childTnLst>
+                                </p:cTn>
+                              </p:par>
+                            </p:childTnLst>
+                          </p:cTn>
+                        </p:par>
+                      </p:childTnLst>
+                    </p:cTn>
+                  </p:par>
+                </p:childTnLst>
+              </p:cTn>
+              <p:prevCondLst>
+                <p:cond evt="onPrev" delay="0">
+                  <p:tgtEl>
+                    <p:sldTgt/>
+                  </p:tgtEl>
+                </p:cond>
+              </p:prevCondLst>
+              <p:nextCondLst>
+                <p:cond evt="onNext" delay="0">
+                  <p:tgtEl>
+                    <p:sldTgt/>
+                  </p:tgtEl>
+                </p:cond>
+              </p:nextCondLst>
+            </p:seq>
+          </p:childTnLst>
+        </p:cTn>
+      </p:par>
+    </p:tnLst>
+    <p:bldLst>
+      <p:bldP spid="2" grpId="0"/>
+    </p:bldLst>
+  </p:timing>
+</p:sld>
+</file>
+
+<file path=ppt/slides/slide11.xml><?xml version="1.0" encoding="utf-8"?>
+<p:sld xmlns:a="http://schemas.openxmlformats.org/drawingml/2006/main" xmlns:r="http://schemas.openxmlformats.org/officeDocument/2006/relationships" xmlns:p="http://schemas.openxmlformats.org/presentationml/2006/main">
+  <p:cSld>
+    <p:spTree>
+      <p:nvGrpSpPr>
+        <p:cNvPr id="1" name=""/>
+        <p:cNvGrpSpPr/>
+        <p:nvPr/>
+      </p:nvGrpSpPr>
+      <p:grpSpPr>
+        <a:xfrm>
+          <a:off x="0" y="0"/>
+          <a:ext cx="0" cy="0"/>
+          <a:chOff x="0" y="0"/>
+          <a:chExt cx="0" cy="0"/>
+        </a:xfrm>
+      </p:grpSpPr>
+      <p:sp>
+        <p:nvSpPr>
+          <p:cNvPr id="2" name="Title 1"/>
+          <p:cNvSpPr>
+            <a:spLocks noGrp="1"/>
+          </p:cNvSpPr>
+          <p:nvPr>
+            <p:ph type="title"/>
+          </p:nvPr>
+        </p:nvSpPr>
+        <p:spPr>
+          <a:xfrm>
             <a:off x="3306618" y="371764"/>
             <a:ext cx="5961206" cy="773545"/>
           </a:xfrm>
@@ -20978,6 +21711,61 @@
           </a:p>
         </p:txBody>
       </p:sp>
+      <p:pic>
+        <p:nvPicPr>
+          <p:cNvPr id="3" name="Picture 2"/>
+          <p:cNvPicPr>
+            <a:picLocks noChangeAspect="1"/>
+          </p:cNvPicPr>
+          <p:nvPr/>
+        </p:nvPicPr>
+        <p:blipFill rotWithShape="1">
+          <a:blip r:embed="rId2">
+            <a:extLst>
+              <a:ext uri="{BEBA8EAE-BF5A-486C-A8C5-ECC9F3942E4B}">
+                <a14:imgProps xmlns:a14="http://schemas.microsoft.com/office/drawing/2010/main">
+                  <a14:imgLayer r:embed="rId3">
+                    <a14:imgEffect>
+                      <a14:brightnessContrast bright="20000" contrast="-40000"/>
+                    </a14:imgEffect>
+                  </a14:imgLayer>
+                </a14:imgProps>
+              </a:ext>
+              <a:ext uri="{28A0092B-C50C-407E-A947-70E740481C1C}">
+                <a14:useLocalDpi xmlns:a14="http://schemas.microsoft.com/office/drawing/2010/main" val="0"/>
+              </a:ext>
+            </a:extLst>
+          </a:blip>
+          <a:srcRect l="649" r="10750"/>
+          <a:stretch/>
+        </p:blipFill>
+        <p:spPr>
+          <a:xfrm>
+            <a:off x="4758137" y="4423829"/>
+            <a:ext cx="8137237" cy="2077229"/>
+          </a:xfrm>
+          <a:prstGeom prst="rect">
+            <a:avLst/>
+          </a:prstGeom>
+          <a:ln>
+            <a:noFill/>
+          </a:ln>
+          <a:effectLst>
+            <a:reflection blurRad="12700" stA="30000" endPos="30000" dist="5000" dir="5400000" sy="-100000" algn="bl" rotWithShape="0"/>
+          </a:effectLst>
+          <a:scene3d>
+            <a:camera prst="perspectiveContrastingLeftFacing">
+              <a:rot lat="300000" lon="19800000" rev="0"/>
+            </a:camera>
+            <a:lightRig rig="threePt" dir="t">
+              <a:rot lat="0" lon="0" rev="2700000"/>
+            </a:lightRig>
+          </a:scene3d>
+          <a:sp3d>
+            <a:bevelT w="63500" h="50800"/>
+          </a:sp3d>
+        </p:spPr>
+      </p:pic>
       <p:cxnSp>
         <p:nvCxnSpPr>
           <p:cNvPr id="5" name="Straight Connector 4"/>
@@ -21017,7 +21805,7 @@
           <p:nvPr/>
         </p:nvPicPr>
         <p:blipFill>
-          <a:blip r:embed="rId2" cstate="print">
+          <a:blip r:embed="rId4" cstate="print">
             <a:extLst>
               <a:ext uri="{28A0092B-C50C-407E-A947-70E740481C1C}">
                 <a14:useLocalDpi xmlns:a14="http://schemas.microsoft.com/office/drawing/2010/main" val="0"/>
@@ -21047,7 +21835,7 @@
           <p:nvPr/>
         </p:nvPicPr>
         <p:blipFill rotWithShape="1">
-          <a:blip r:embed="rId3">
+          <a:blip r:embed="rId5">
             <a:extLst>
               <a:ext uri="{28A0092B-C50C-407E-A947-70E740481C1C}">
                 <a14:useLocalDpi xmlns:a14="http://schemas.microsoft.com/office/drawing/2010/main" val="0"/>
@@ -21061,58 +21849,6 @@
           <a:xfrm>
             <a:off x="1728609" y="1335479"/>
             <a:ext cx="8460508" cy="2551119"/>
-          </a:xfrm>
-          <a:prstGeom prst="rect">
-            <a:avLst/>
-          </a:prstGeom>
-          <a:ln>
-            <a:noFill/>
-          </a:ln>
-          <a:effectLst>
-            <a:reflection blurRad="12700" stA="30000" endPos="30000" dist="5000" dir="5400000" sy="-100000" algn="bl" rotWithShape="0"/>
-          </a:effectLst>
-          <a:scene3d>
-            <a:camera prst="perspectiveContrastingLeftFacing">
-              <a:rot lat="300000" lon="19800000" rev="0"/>
-            </a:camera>
-            <a:lightRig rig="threePt" dir="t">
-              <a:rot lat="0" lon="0" rev="2700000"/>
-            </a:lightRig>
-          </a:scene3d>
-          <a:sp3d>
-            <a:bevelT w="63500" h="50800"/>
-          </a:sp3d>
-        </p:spPr>
-      </p:pic>
-      <p:pic>
-        <p:nvPicPr>
-          <p:cNvPr id="7" name="Picture 6"/>
-          <p:cNvPicPr>
-            <a:picLocks noChangeAspect="1"/>
-          </p:cNvPicPr>
-          <p:nvPr/>
-        </p:nvPicPr>
-        <p:blipFill rotWithShape="1">
-          <a:blip r:embed="rId4">
-            <a:extLst>
-              <a:ext uri="{BEBA8EAE-BF5A-486C-A8C5-ECC9F3942E4B}">
-                <a14:imgProps xmlns:a14="http://schemas.microsoft.com/office/drawing/2010/main">
-                  <a14:imgLayer r:embed="rId5">
-                    <a14:imgEffect>
-                      <a14:brightnessContrast bright="20000" contrast="-40000"/>
-                    </a14:imgEffect>
-                  </a14:imgLayer>
-                </a14:imgProps>
-              </a:ext>
-            </a:extLst>
-          </a:blip>
-          <a:srcRect r="3536"/>
-          <a:stretch/>
-        </p:blipFill>
-        <p:spPr>
-          <a:xfrm>
-            <a:off x="3306618" y="4473940"/>
-            <a:ext cx="9505171" cy="2072820"/>
           </a:xfrm>
           <a:prstGeom prst="rect">
             <a:avLst/>
@@ -21314,7 +22050,7 @@
                                           </p:stCondLst>
                                         </p:cTn>
                                         <p:tgtEl>
-                                          <p:spTgt spid="7"/>
+                                          <p:spTgt spid="3"/>
                                         </p:tgtEl>
                                         <p:attrNameLst>
                                           <p:attrName>style.visibility</p:attrName>
@@ -21328,7 +22064,7 @@
                                       <p:cBhvr>
                                         <p:cTn id="17" dur="500"/>
                                         <p:tgtEl>
-                                          <p:spTgt spid="7"/>
+                                          <p:spTgt spid="3"/>
                                         </p:tgtEl>
                                       </p:cBhvr>
                                     </p:animEffect>
@@ -21369,7 +22105,7 @@
 </p:sld>
 </file>
 
-<file path=ppt/slides/slide11.xml><?xml version="1.0" encoding="utf-8"?>
+<file path=ppt/slides/slide12.xml><?xml version="1.0" encoding="utf-8"?>
 <p:sld xmlns:a="http://schemas.openxmlformats.org/drawingml/2006/main" xmlns:r="http://schemas.openxmlformats.org/officeDocument/2006/relationships" xmlns:p="http://schemas.openxmlformats.org/presentationml/2006/main">
   <p:cSld>
     <p:spTree>
@@ -21835,14 +22571,7 @@
                 <a:latin typeface="Yu Gothic UI Light" panose="020B0300000000000000" pitchFamily="34" charset="-128"/>
                 <a:ea typeface="Yu Gothic UI Light" panose="020B0300000000000000" pitchFamily="34" charset="-128"/>
               </a:rPr>
-              <a:t> is </a:t>
-            </a:r>
-            <a:r>
-              <a:rPr lang="en-GB" dirty="0" smtClean="0">
-                <a:latin typeface="Yu Gothic UI Light" panose="020B0300000000000000" pitchFamily="34" charset="-128"/>
-                <a:ea typeface="Yu Gothic UI Light" panose="020B0300000000000000" pitchFamily="34" charset="-128"/>
-              </a:rPr>
-              <a:t>an </a:t>
+              <a:t> is An </a:t>
             </a:r>
             <a:r>
               <a:rPr lang="en-GB" dirty="0">
@@ -22466,7 +23195,7 @@
           <p:nvPr>
             <p:extLst>
               <p:ext uri="{D42A27DB-BD31-4B8C-83A1-F6EECF244321}">
-                <p14:modId xmlns:p14="http://schemas.microsoft.com/office/powerpoint/2010/main" val="1635370534"/>
+                <p14:modId xmlns:p14="http://schemas.microsoft.com/office/powerpoint/2010/main" val="3226487091"/>
               </p:ext>
             </p:extLst>
           </p:nvPr>
@@ -22844,7 +23573,7 @@
           <p:nvPr>
             <p:extLst>
               <p:ext uri="{D42A27DB-BD31-4B8C-83A1-F6EECF244321}">
-                <p14:modId xmlns:p14="http://schemas.microsoft.com/office/powerpoint/2010/main" val="1072087744"/>
+                <p14:modId xmlns:p14="http://schemas.microsoft.com/office/powerpoint/2010/main" val="3367972143"/>
               </p:ext>
             </p:extLst>
           </p:nvPr>
@@ -24225,7 +24954,7 @@
                 <a:latin typeface="Yu Gothic UI Semilight" panose="020B0400000000000000" pitchFamily="34" charset="-128"/>
                 <a:ea typeface="Yu Gothic UI Semilight" panose="020B0400000000000000" pitchFamily="34" charset="-128"/>
               </a:rPr>
-              <a:t> Spring Boot</a:t>
+              <a:t> Spring Boot 2.5</a:t>
             </a:r>
           </a:p>
           <a:p>
@@ -24251,7 +24980,7 @@
                 <a:latin typeface="Yu Gothic UI Semilight" panose="020B0400000000000000" pitchFamily="34" charset="-128"/>
                 <a:ea typeface="Yu Gothic UI Semilight" panose="020B0400000000000000" pitchFamily="34" charset="-128"/>
               </a:rPr>
-              <a:t> Angular 8</a:t>
+              <a:t> Angular 11</a:t>
             </a:r>
           </a:p>
           <a:p>
@@ -24376,16 +25105,19 @@
               </a:rPr>
               <a:t>Mockito</a:t>
             </a:r>
-            <a:endParaRPr lang="en-US" dirty="0" smtClean="0">
-              <a:solidFill>
-                <a:schemeClr val="tx1">
-                  <a:lumMod val="75000"/>
-                  <a:lumOff val="25000"/>
-                </a:schemeClr>
-              </a:solidFill>
-              <a:latin typeface="Yu Gothic UI Semilight" panose="020B0400000000000000" pitchFamily="34" charset="-128"/>
-              <a:ea typeface="Yu Gothic UI Semilight" panose="020B0400000000000000" pitchFamily="34" charset="-128"/>
-            </a:endParaRPr>
+            <a:r>
+              <a:rPr lang="en-US" dirty="0" smtClean="0">
+                <a:solidFill>
+                  <a:schemeClr val="tx1">
+                    <a:lumMod val="75000"/>
+                    <a:lumOff val="25000"/>
+                  </a:schemeClr>
+                </a:solidFill>
+                <a:latin typeface="Yu Gothic UI Semilight" panose="020B0400000000000000" pitchFamily="34" charset="-128"/>
+                <a:ea typeface="Yu Gothic UI Semilight" panose="020B0400000000000000" pitchFamily="34" charset="-128"/>
+              </a:rPr>
+              <a:t> 4.21</a:t>
+            </a:r>
           </a:p>
           <a:p>
             <a:pPr>
@@ -24423,7 +25155,7 @@
                 <a:latin typeface="Yu Gothic UI Semilight" panose="020B0400000000000000" pitchFamily="34" charset="-128"/>
                 <a:ea typeface="Yu Gothic UI Semilight" panose="020B0400000000000000" pitchFamily="34" charset="-128"/>
               </a:rPr>
-              <a:t>Jasmine</a:t>
+              <a:t>Jasmine 3.10.1</a:t>
             </a:r>
           </a:p>
           <a:p>
@@ -24488,7 +25220,7 @@
                 <a:latin typeface="Yu Gothic UI Semilight" panose="020B0400000000000000" pitchFamily="34" charset="-128"/>
                 <a:ea typeface="Yu Gothic UI Semilight" panose="020B0400000000000000" pitchFamily="34" charset="-128"/>
               </a:rPr>
-              <a:t>NPM</a:t>
+              <a:t>Node</a:t>
             </a:r>
             <a:endParaRPr lang="en-US" dirty="0">
               <a:solidFill>
@@ -25562,7 +26294,7 @@
           <p:nvPr>
             <p:extLst>
               <p:ext uri="{D42A27DB-BD31-4B8C-83A1-F6EECF244321}">
-                <p14:modId xmlns:p14="http://schemas.microsoft.com/office/powerpoint/2010/main" val="2534035831"/>
+                <p14:modId xmlns:p14="http://schemas.microsoft.com/office/powerpoint/2010/main" val="3960747577"/>
               </p:ext>
             </p:extLst>
           </p:nvPr>
@@ -25837,8 +26569,8 @@
         </p:nvSpPr>
         <p:spPr>
           <a:xfrm>
-            <a:off x="4006707" y="147781"/>
-            <a:ext cx="3993860" cy="858981"/>
+            <a:off x="3870036" y="147781"/>
+            <a:ext cx="4130531" cy="858981"/>
           </a:xfrm>
         </p:spPr>
         <p:txBody>
@@ -25855,7 +26587,27 @@
                 <a:latin typeface="Yu Gothic UI Semilight" panose="020B0400000000000000" pitchFamily="34" charset="-128"/>
                 <a:ea typeface="Yu Gothic UI Semilight" panose="020B0400000000000000" pitchFamily="34" charset="-128"/>
               </a:rPr>
-              <a:t>Use Case Diagram</a:t>
+              <a:t>Screenshot 1 (</a:t>
+            </a:r>
+            <a:r>
+              <a:rPr lang="en-GB" sz="2800" dirty="0" err="1" smtClean="0">
+                <a:solidFill>
+                  <a:srgbClr val="0B5395"/>
+                </a:solidFill>
+                <a:latin typeface="Yu Gothic UI Semilight" panose="020B0400000000000000" pitchFamily="34" charset="-128"/>
+                <a:ea typeface="Yu Gothic UI Semilight" panose="020B0400000000000000" pitchFamily="34" charset="-128"/>
+              </a:rPr>
+              <a:t>HomePage</a:t>
+            </a:r>
+            <a:r>
+              <a:rPr lang="en-GB" sz="2800" dirty="0" smtClean="0">
+                <a:solidFill>
+                  <a:srgbClr val="0B5395"/>
+                </a:solidFill>
+                <a:latin typeface="Yu Gothic UI Semilight" panose="020B0400000000000000" pitchFamily="34" charset="-128"/>
+                <a:ea typeface="Yu Gothic UI Semilight" panose="020B0400000000000000" pitchFamily="34" charset="-128"/>
+              </a:rPr>
+              <a:t>)</a:t>
             </a:r>
             <a:endParaRPr lang="en-IN" sz="2800" dirty="0">
               <a:solidFill>
@@ -25899,36 +26651,6 @@
       </p:cxnSp>
       <p:pic>
         <p:nvPicPr>
-          <p:cNvPr id="6" name="Picture 5"/>
-          <p:cNvPicPr>
-            <a:picLocks noChangeAspect="1"/>
-          </p:cNvPicPr>
-          <p:nvPr/>
-        </p:nvPicPr>
-        <p:blipFill>
-          <a:blip r:embed="rId2">
-            <a:extLst>
-              <a:ext uri="{28A0092B-C50C-407E-A947-70E740481C1C}">
-                <a14:useLocalDpi xmlns:a14="http://schemas.microsoft.com/office/drawing/2010/main" val="0"/>
-              </a:ext>
-            </a:extLst>
-          </a:blip>
-          <a:stretch>
-            <a:fillRect/>
-          </a:stretch>
-        </p:blipFill>
-        <p:spPr>
-          <a:xfrm>
-            <a:off x="2682427" y="877453"/>
-            <a:ext cx="6642420" cy="5648036"/>
-          </a:xfrm>
-          <a:prstGeom prst="rect">
-            <a:avLst/>
-          </a:prstGeom>
-        </p:spPr>
-      </p:pic>
-      <p:pic>
-        <p:nvPicPr>
           <p:cNvPr id="5" name="Picture 4"/>
           <p:cNvPicPr>
             <a:picLocks noChangeAspect="1"/>
@@ -25936,7 +26658,7 @@
           <p:nvPr/>
         </p:nvPicPr>
         <p:blipFill>
-          <a:blip r:embed="rId3" cstate="print">
+          <a:blip r:embed="rId2" cstate="print">
             <a:extLst>
               <a:ext uri="{28A0092B-C50C-407E-A947-70E740481C1C}">
                 <a14:useLocalDpi xmlns:a14="http://schemas.microsoft.com/office/drawing/2010/main" val="0"/>
@@ -25955,6 +26677,46 @@
           <a:prstGeom prst="rect">
             <a:avLst/>
           </a:prstGeom>
+        </p:spPr>
+      </p:pic>
+      <p:pic>
+        <p:nvPicPr>
+          <p:cNvPr id="3" name="Picture 2"/>
+          <p:cNvPicPr>
+            <a:picLocks noChangeAspect="1"/>
+          </p:cNvPicPr>
+          <p:nvPr/>
+        </p:nvPicPr>
+        <p:blipFill>
+          <a:blip r:embed="rId3">
+            <a:extLst>
+              <a:ext uri="{28A0092B-C50C-407E-A947-70E740481C1C}">
+                <a14:useLocalDpi xmlns:a14="http://schemas.microsoft.com/office/drawing/2010/main" val="0"/>
+              </a:ext>
+            </a:extLst>
+          </a:blip>
+          <a:stretch>
+            <a:fillRect/>
+          </a:stretch>
+        </p:blipFill>
+        <p:spPr>
+          <a:xfrm>
+            <a:off x="2087418" y="1736434"/>
+            <a:ext cx="7980218" cy="3756634"/>
+          </a:xfrm>
+          <a:prstGeom prst="rect">
+            <a:avLst/>
+          </a:prstGeom>
+          <a:ln>
+            <a:noFill/>
+          </a:ln>
+          <a:effectLst>
+            <a:outerShdw blurRad="292100" dist="139700" dir="2700000" algn="tl" rotWithShape="0">
+              <a:srgbClr val="333333">
+                <a:alpha val="65000"/>
+              </a:srgbClr>
+            </a:outerShdw>
+          </a:effectLst>
         </p:spPr>
       </p:pic>
     </p:spTree>
@@ -26068,39 +26830,21 @@
                                   </p:childTnLst>
                                 </p:cTn>
                               </p:par>
-                            </p:childTnLst>
-                          </p:cTn>
-                        </p:par>
-                      </p:childTnLst>
-                    </p:cTn>
-                  </p:par>
-                  <p:par>
-                    <p:cTn id="10" fill="hold">
-                      <p:stCondLst>
-                        <p:cond delay="indefinite"/>
-                      </p:stCondLst>
-                      <p:childTnLst>
-                        <p:par>
-                          <p:cTn id="11" fill="hold">
-                            <p:stCondLst>
-                              <p:cond delay="0"/>
-                            </p:stCondLst>
-                            <p:childTnLst>
                               <p:par>
-                                <p:cTn id="12" presetID="21" presetClass="entr" presetSubtype="1" fill="hold" nodeType="clickEffect">
+                                <p:cTn id="10" presetID="42" presetClass="entr" presetSubtype="0" fill="hold" nodeType="withEffect">
                                   <p:stCondLst>
                                     <p:cond delay="0"/>
                                   </p:stCondLst>
                                   <p:childTnLst>
                                     <p:set>
                                       <p:cBhvr>
-                                        <p:cTn id="13" dur="1" fill="hold">
+                                        <p:cTn id="11" dur="1" fill="hold">
                                           <p:stCondLst>
                                             <p:cond delay="0"/>
                                           </p:stCondLst>
                                         </p:cTn>
                                         <p:tgtEl>
-                                          <p:spTgt spid="6"/>
+                                          <p:spTgt spid="3"/>
                                         </p:tgtEl>
                                         <p:attrNameLst>
                                           <p:attrName>style.visibility</p:attrName>
@@ -26110,14 +26854,60 @@
                                         <p:strVal val="visible"/>
                                       </p:to>
                                     </p:set>
-                                    <p:animEffect transition="in" filter="wheel(1)">
+                                    <p:animEffect transition="in" filter="fade">
                                       <p:cBhvr>
-                                        <p:cTn id="14" dur="2000"/>
+                                        <p:cTn id="12" dur="1000"/>
                                         <p:tgtEl>
-                                          <p:spTgt spid="6"/>
+                                          <p:spTgt spid="3"/>
                                         </p:tgtEl>
                                       </p:cBhvr>
                                     </p:animEffect>
+                                    <p:anim calcmode="lin" valueType="num">
+                                      <p:cBhvr>
+                                        <p:cTn id="13" dur="1000" fill="hold"/>
+                                        <p:tgtEl>
+                                          <p:spTgt spid="3"/>
+                                        </p:tgtEl>
+                                        <p:attrNameLst>
+                                          <p:attrName>ppt_x</p:attrName>
+                                        </p:attrNameLst>
+                                      </p:cBhvr>
+                                      <p:tavLst>
+                                        <p:tav tm="0">
+                                          <p:val>
+                                            <p:strVal val="#ppt_x"/>
+                                          </p:val>
+                                        </p:tav>
+                                        <p:tav tm="100000">
+                                          <p:val>
+                                            <p:strVal val="#ppt_x"/>
+                                          </p:val>
+                                        </p:tav>
+                                      </p:tavLst>
+                                    </p:anim>
+                                    <p:anim calcmode="lin" valueType="num">
+                                      <p:cBhvr>
+                                        <p:cTn id="14" dur="1000" fill="hold"/>
+                                        <p:tgtEl>
+                                          <p:spTgt spid="3"/>
+                                        </p:tgtEl>
+                                        <p:attrNameLst>
+                                          <p:attrName>ppt_y</p:attrName>
+                                        </p:attrNameLst>
+                                      </p:cBhvr>
+                                      <p:tavLst>
+                                        <p:tav tm="0">
+                                          <p:val>
+                                            <p:strVal val="#ppt_y+.1"/>
+                                          </p:val>
+                                        </p:tav>
+                                        <p:tav tm="100000">
+                                          <p:val>
+                                            <p:strVal val="#ppt_y"/>
+                                          </p:val>
+                                        </p:tav>
+                                      </p:tavLst>
+                                    </p:anim>
                                   </p:childTnLst>
                                 </p:cTn>
                               </p:par>
@@ -26174,7 +26964,7 @@
       </p:grpSpPr>
       <p:sp>
         <p:nvSpPr>
-          <p:cNvPr id="2" name="Title 1"/>
+          <p:cNvPr id="3" name="Title 1"/>
           <p:cNvSpPr>
             <a:spLocks noGrp="1"/>
           </p:cNvSpPr>
@@ -26184,13 +26974,13 @@
         </p:nvSpPr>
         <p:spPr>
           <a:xfrm>
-            <a:off x="1348509" y="1998806"/>
-            <a:ext cx="682297" cy="2541731"/>
+            <a:off x="3870036" y="147781"/>
+            <a:ext cx="4130531" cy="858981"/>
           </a:xfrm>
         </p:spPr>
         <p:txBody>
           <a:bodyPr>
-            <a:noAutofit/>
+            <a:normAutofit fontScale="90000"/>
           </a:bodyPr>
           <a:lstStyle/>
           <a:p>
@@ -26202,102 +26992,7 @@
                 <a:latin typeface="Yu Gothic UI Semilight" panose="020B0400000000000000" pitchFamily="34" charset="-128"/>
                 <a:ea typeface="Yu Gothic UI Semilight" panose="020B0400000000000000" pitchFamily="34" charset="-128"/>
               </a:rPr>
-              <a:t>T</a:t>
-            </a:r>
-            <a:br>
-              <a:rPr lang="en-GB" sz="2800" dirty="0" smtClean="0">
-                <a:solidFill>
-                  <a:srgbClr val="0B5395"/>
-                </a:solidFill>
-                <a:latin typeface="Yu Gothic UI Semilight" panose="020B0400000000000000" pitchFamily="34" charset="-128"/>
-                <a:ea typeface="Yu Gothic UI Semilight" panose="020B0400000000000000" pitchFamily="34" charset="-128"/>
-              </a:rPr>
-            </a:br>
-            <a:r>
-              <a:rPr lang="en-GB" sz="2800" dirty="0" smtClean="0">
-                <a:solidFill>
-                  <a:srgbClr val="0B5395"/>
-                </a:solidFill>
-                <a:latin typeface="Yu Gothic UI Semilight" panose="020B0400000000000000" pitchFamily="34" charset="-128"/>
-                <a:ea typeface="Yu Gothic UI Semilight" panose="020B0400000000000000" pitchFamily="34" charset="-128"/>
-              </a:rPr>
-              <a:t>A</a:t>
-            </a:r>
-            <a:br>
-              <a:rPr lang="en-GB" sz="2800" dirty="0" smtClean="0">
-                <a:solidFill>
-                  <a:srgbClr val="0B5395"/>
-                </a:solidFill>
-                <a:latin typeface="Yu Gothic UI Semilight" panose="020B0400000000000000" pitchFamily="34" charset="-128"/>
-                <a:ea typeface="Yu Gothic UI Semilight" panose="020B0400000000000000" pitchFamily="34" charset="-128"/>
-              </a:rPr>
-            </a:br>
-            <a:r>
-              <a:rPr lang="en-GB" sz="2800" dirty="0" smtClean="0">
-                <a:solidFill>
-                  <a:srgbClr val="0B5395"/>
-                </a:solidFill>
-                <a:latin typeface="Yu Gothic UI Semilight" panose="020B0400000000000000" pitchFamily="34" charset="-128"/>
-                <a:ea typeface="Yu Gothic UI Semilight" panose="020B0400000000000000" pitchFamily="34" charset="-128"/>
-              </a:rPr>
-              <a:t>B</a:t>
-            </a:r>
-            <a:br>
-              <a:rPr lang="en-GB" sz="2800" dirty="0" smtClean="0">
-                <a:solidFill>
-                  <a:srgbClr val="0B5395"/>
-                </a:solidFill>
-                <a:latin typeface="Yu Gothic UI Semilight" panose="020B0400000000000000" pitchFamily="34" charset="-128"/>
-                <a:ea typeface="Yu Gothic UI Semilight" panose="020B0400000000000000" pitchFamily="34" charset="-128"/>
-              </a:rPr>
-            </a:br>
-            <a:r>
-              <a:rPr lang="en-GB" sz="2800" dirty="0" smtClean="0">
-                <a:solidFill>
-                  <a:srgbClr val="0B5395"/>
-                </a:solidFill>
-                <a:latin typeface="Yu Gothic UI Semilight" panose="020B0400000000000000" pitchFamily="34" charset="-128"/>
-                <a:ea typeface="Yu Gothic UI Semilight" panose="020B0400000000000000" pitchFamily="34" charset="-128"/>
-              </a:rPr>
-              <a:t>L</a:t>
-            </a:r>
-            <a:br>
-              <a:rPr lang="en-GB" sz="2800" dirty="0" smtClean="0">
-                <a:solidFill>
-                  <a:srgbClr val="0B5395"/>
-                </a:solidFill>
-                <a:latin typeface="Yu Gothic UI Semilight" panose="020B0400000000000000" pitchFamily="34" charset="-128"/>
-                <a:ea typeface="Yu Gothic UI Semilight" panose="020B0400000000000000" pitchFamily="34" charset="-128"/>
-              </a:rPr>
-            </a:br>
-            <a:r>
-              <a:rPr lang="en-GB" sz="2800" dirty="0" smtClean="0">
-                <a:solidFill>
-                  <a:srgbClr val="0B5395"/>
-                </a:solidFill>
-                <a:latin typeface="Yu Gothic UI Semilight" panose="020B0400000000000000" pitchFamily="34" charset="-128"/>
-                <a:ea typeface="Yu Gothic UI Semilight" panose="020B0400000000000000" pitchFamily="34" charset="-128"/>
-              </a:rPr>
-              <a:t>E</a:t>
-            </a:r>
-            <a:br>
-              <a:rPr lang="en-GB" sz="2800" dirty="0" smtClean="0">
-                <a:solidFill>
-                  <a:srgbClr val="0B5395"/>
-                </a:solidFill>
-                <a:latin typeface="Yu Gothic UI Semilight" panose="020B0400000000000000" pitchFamily="34" charset="-128"/>
-                <a:ea typeface="Yu Gothic UI Semilight" panose="020B0400000000000000" pitchFamily="34" charset="-128"/>
-              </a:rPr>
-            </a:br>
-            <a:r>
-              <a:rPr lang="en-GB" sz="2800" dirty="0">
-                <a:solidFill>
-                  <a:srgbClr val="0B5395"/>
-                </a:solidFill>
-                <a:latin typeface="Yu Gothic UI Semilight" panose="020B0400000000000000" pitchFamily="34" charset="-128"/>
-                <a:ea typeface="Yu Gothic UI Semilight" panose="020B0400000000000000" pitchFamily="34" charset="-128"/>
-              </a:rPr>
-              <a:t>S</a:t>
+              <a:t>Screenshot 2 (Search Flight)</a:t>
             </a:r>
             <a:endParaRPr lang="en-IN" sz="2800" dirty="0">
               <a:solidFill>
@@ -26316,9 +27011,9 @@
           <p:nvPr/>
         </p:nvCxnSpPr>
         <p:spPr>
-          <a:xfrm>
-            <a:off x="2030806" y="1998806"/>
-            <a:ext cx="3752" cy="2429165"/>
+          <a:xfrm flipV="1">
+            <a:off x="3770312" y="877453"/>
+            <a:ext cx="4230255" cy="9237"/>
           </a:xfrm>
           <a:prstGeom prst="line">
             <a:avLst/>
@@ -26341,130 +27036,14 @@
       </p:cxnSp>
       <p:pic>
         <p:nvPicPr>
-          <p:cNvPr id="6" name="Picture 5"/>
-          <p:cNvPicPr>
-            <a:picLocks noChangeAspect="1"/>
-          </p:cNvPicPr>
-          <p:nvPr/>
-        </p:nvPicPr>
-        <p:blipFill rotWithShape="1">
-          <a:blip r:embed="rId2" cstate="print">
-            <a:extLst>
-              <a:ext uri="{28A0092B-C50C-407E-A947-70E740481C1C}">
-                <a14:useLocalDpi xmlns:a14="http://schemas.microsoft.com/office/drawing/2010/main" val="0"/>
-              </a:ext>
-            </a:extLst>
-          </a:blip>
-          <a:srcRect r="4601" b="78720"/>
-          <a:stretch/>
-        </p:blipFill>
-        <p:spPr>
-          <a:xfrm>
-            <a:off x="2030806" y="-18473"/>
-            <a:ext cx="4959643" cy="3031835"/>
-          </a:xfrm>
-          <a:prstGeom prst="rect">
-            <a:avLst/>
-          </a:prstGeom>
-        </p:spPr>
-      </p:pic>
-      <p:pic>
-        <p:nvPicPr>
-          <p:cNvPr id="8" name="Picture 7"/>
-          <p:cNvPicPr>
-            <a:picLocks noChangeAspect="1"/>
-          </p:cNvPicPr>
-          <p:nvPr/>
-        </p:nvPicPr>
-        <p:blipFill rotWithShape="1">
-          <a:blip r:embed="rId2" cstate="print">
-            <a:extLst>
-              <a:ext uri="{28A0092B-C50C-407E-A947-70E740481C1C}">
-                <a14:useLocalDpi xmlns:a14="http://schemas.microsoft.com/office/drawing/2010/main" val="0"/>
-              </a:ext>
-            </a:extLst>
-          </a:blip>
-          <a:srcRect t="49293" b="30101"/>
-          <a:stretch/>
-        </p:blipFill>
-        <p:spPr>
-          <a:xfrm>
-            <a:off x="1870184" y="3271091"/>
-            <a:ext cx="5280887" cy="2982233"/>
-          </a:xfrm>
-          <a:prstGeom prst="rect">
-            <a:avLst/>
-          </a:prstGeom>
-        </p:spPr>
-      </p:pic>
-      <p:pic>
-        <p:nvPicPr>
-          <p:cNvPr id="9" name="Picture 8"/>
-          <p:cNvPicPr>
-            <a:picLocks noChangeAspect="1"/>
-          </p:cNvPicPr>
-          <p:nvPr/>
-        </p:nvPicPr>
-        <p:blipFill rotWithShape="1">
-          <a:blip r:embed="rId2" cstate="print">
-            <a:extLst>
-              <a:ext uri="{28A0092B-C50C-407E-A947-70E740481C1C}">
-                <a14:useLocalDpi xmlns:a14="http://schemas.microsoft.com/office/drawing/2010/main" val="0"/>
-              </a:ext>
-            </a:extLst>
-          </a:blip>
-          <a:srcRect t="25018" r="34949" b="53837"/>
-          <a:stretch/>
-        </p:blipFill>
-        <p:spPr>
-          <a:xfrm>
-            <a:off x="7672746" y="103138"/>
-            <a:ext cx="3171866" cy="2825557"/>
-          </a:xfrm>
-          <a:prstGeom prst="rect">
-            <a:avLst/>
-          </a:prstGeom>
-        </p:spPr>
-      </p:pic>
-      <p:pic>
-        <p:nvPicPr>
-          <p:cNvPr id="10" name="Picture 9"/>
-          <p:cNvPicPr>
-            <a:picLocks noChangeAspect="1"/>
-          </p:cNvPicPr>
-          <p:nvPr/>
-        </p:nvPicPr>
-        <p:blipFill rotWithShape="1">
-          <a:blip r:embed="rId2" cstate="print">
-            <a:extLst>
-              <a:ext uri="{28A0092B-C50C-407E-A947-70E740481C1C}">
-                <a14:useLocalDpi xmlns:a14="http://schemas.microsoft.com/office/drawing/2010/main" val="0"/>
-              </a:ext>
-            </a:extLst>
-          </a:blip>
-          <a:srcRect l="369" t="74478" r="-369" b="740"/>
-          <a:stretch/>
-        </p:blipFill>
-        <p:spPr>
-          <a:xfrm>
-            <a:off x="6990449" y="3055731"/>
-            <a:ext cx="5025384" cy="3412951"/>
-          </a:xfrm>
-          <a:prstGeom prst="rect">
-            <a:avLst/>
-          </a:prstGeom>
-        </p:spPr>
-      </p:pic>
-      <p:pic>
-        <p:nvPicPr>
-          <p:cNvPr id="11" name="Picture 10"/>
+          <p:cNvPr id="5" name="Picture 4"/>
           <p:cNvPicPr>
             <a:picLocks noChangeAspect="1"/>
           </p:cNvPicPr>
           <p:nvPr/>
         </p:nvPicPr>
         <p:blipFill>
-          <a:blip r:embed="rId3" cstate="print">
+          <a:blip r:embed="rId2" cstate="print">
             <a:extLst>
               <a:ext uri="{28A0092B-C50C-407E-A947-70E740481C1C}">
                 <a14:useLocalDpi xmlns:a14="http://schemas.microsoft.com/office/drawing/2010/main" val="0"/>
@@ -26485,10 +27064,50 @@
           </a:prstGeom>
         </p:spPr>
       </p:pic>
+      <p:pic>
+        <p:nvPicPr>
+          <p:cNvPr id="2" name="Picture 1"/>
+          <p:cNvPicPr>
+            <a:picLocks noChangeAspect="1"/>
+          </p:cNvPicPr>
+          <p:nvPr/>
+        </p:nvPicPr>
+        <p:blipFill>
+          <a:blip r:embed="rId3">
+            <a:extLst>
+              <a:ext uri="{28A0092B-C50C-407E-A947-70E740481C1C}">
+                <a14:useLocalDpi xmlns:a14="http://schemas.microsoft.com/office/drawing/2010/main" val="0"/>
+              </a:ext>
+            </a:extLst>
+          </a:blip>
+          <a:stretch>
+            <a:fillRect/>
+          </a:stretch>
+        </p:blipFill>
+        <p:spPr>
+          <a:xfrm>
+            <a:off x="1671781" y="1616362"/>
+            <a:ext cx="8986982" cy="4217040"/>
+          </a:xfrm>
+          <a:prstGeom prst="rect">
+            <a:avLst/>
+          </a:prstGeom>
+          <a:ln>
+            <a:noFill/>
+          </a:ln>
+          <a:effectLst>
+            <a:outerShdw blurRad="292100" dist="139700" dir="2700000" algn="tl" rotWithShape="0">
+              <a:srgbClr val="333333">
+                <a:alpha val="65000"/>
+              </a:srgbClr>
+            </a:outerShdw>
+          </a:effectLst>
+        </p:spPr>
+      </p:pic>
     </p:spTree>
     <p:extLst>
       <p:ext uri="{BB962C8B-B14F-4D97-AF65-F5344CB8AC3E}">
-        <p14:creationId xmlns:p14="http://schemas.microsoft.com/office/powerpoint/2010/main" val="3255698111"/>
+        <p14:creationId xmlns:p14="http://schemas.microsoft.com/office/powerpoint/2010/main" val="214396827"/>
       </p:ext>
     </p:extLst>
   </p:cSld>
@@ -26529,7 +27148,7 @@
                                           </p:stCondLst>
                                         </p:cTn>
                                         <p:tgtEl>
-                                          <p:spTgt spid="2"/>
+                                          <p:spTgt spid="3"/>
                                         </p:tgtEl>
                                         <p:attrNameLst>
                                           <p:attrName>style.visibility</p:attrName>
@@ -26543,13 +27162,94 @@
                                       <p:cBhvr>
                                         <p:cTn id="7" dur="1000"/>
                                         <p:tgtEl>
+                                          <p:spTgt spid="3"/>
+                                        </p:tgtEl>
+                                      </p:cBhvr>
+                                    </p:animEffect>
+                                    <p:anim calcmode="lin" valueType="num">
+                                      <p:cBhvr>
+                                        <p:cTn id="8" dur="1000" fill="hold"/>
+                                        <p:tgtEl>
+                                          <p:spTgt spid="3"/>
+                                        </p:tgtEl>
+                                        <p:attrNameLst>
+                                          <p:attrName>ppt_x</p:attrName>
+                                        </p:attrNameLst>
+                                      </p:cBhvr>
+                                      <p:tavLst>
+                                        <p:tav tm="0">
+                                          <p:val>
+                                            <p:strVal val="#ppt_x"/>
+                                          </p:val>
+                                        </p:tav>
+                                        <p:tav tm="100000">
+                                          <p:val>
+                                            <p:strVal val="#ppt_x"/>
+                                          </p:val>
+                                        </p:tav>
+                                      </p:tavLst>
+                                    </p:anim>
+                                    <p:anim calcmode="lin" valueType="num">
+                                      <p:cBhvr>
+                                        <p:cTn id="9" dur="1000" fill="hold"/>
+                                        <p:tgtEl>
+                                          <p:spTgt spid="3"/>
+                                        </p:tgtEl>
+                                        <p:attrNameLst>
+                                          <p:attrName>ppt_y</p:attrName>
+                                        </p:attrNameLst>
+                                      </p:cBhvr>
+                                      <p:tavLst>
+                                        <p:tav tm="0">
+                                          <p:val>
+                                            <p:strVal val="#ppt_y+.1"/>
+                                          </p:val>
+                                        </p:tav>
+                                        <p:tav tm="100000">
+                                          <p:val>
+                                            <p:strVal val="#ppt_y"/>
+                                          </p:val>
+                                        </p:tav>
+                                      </p:tavLst>
+                                    </p:anim>
+                                  </p:childTnLst>
+                                </p:cTn>
+                              </p:par>
+                              <p:par>
+                                <p:cTn id="10" presetID="42" presetClass="entr" presetSubtype="0" fill="hold" nodeType="withEffect">
+                                  <p:stCondLst>
+                                    <p:cond delay="0"/>
+                                  </p:stCondLst>
+                                  <p:childTnLst>
+                                    <p:set>
+                                      <p:cBhvr>
+                                        <p:cTn id="11" dur="1" fill="hold">
+                                          <p:stCondLst>
+                                            <p:cond delay="0"/>
+                                          </p:stCondLst>
+                                        </p:cTn>
+                                        <p:tgtEl>
+                                          <p:spTgt spid="2"/>
+                                        </p:tgtEl>
+                                        <p:attrNameLst>
+                                          <p:attrName>style.visibility</p:attrName>
+                                        </p:attrNameLst>
+                                      </p:cBhvr>
+                                      <p:to>
+                                        <p:strVal val="visible"/>
+                                      </p:to>
+                                    </p:set>
+                                    <p:animEffect transition="in" filter="fade">
+                                      <p:cBhvr>
+                                        <p:cTn id="12" dur="1000"/>
+                                        <p:tgtEl>
                                           <p:spTgt spid="2"/>
                                         </p:tgtEl>
                                       </p:cBhvr>
                                     </p:animEffect>
                                     <p:anim calcmode="lin" valueType="num">
                                       <p:cBhvr>
-                                        <p:cTn id="8" dur="1000" fill="hold"/>
+                                        <p:cTn id="13" dur="1000" fill="hold"/>
                                         <p:tgtEl>
                                           <p:spTgt spid="2"/>
                                         </p:tgtEl>
@@ -26572,7 +27272,7 @@
                                     </p:anim>
                                     <p:anim calcmode="lin" valueType="num">
                                       <p:cBhvr>
-                                        <p:cTn id="9" dur="1000" fill="hold"/>
+                                        <p:cTn id="14" dur="1000" fill="hold"/>
                                         <p:tgtEl>
                                           <p:spTgt spid="2"/>
                                         </p:tgtEl>
@@ -26593,164 +27293,6 @@
                                         </p:tav>
                                       </p:tavLst>
                                     </p:anim>
-                                  </p:childTnLst>
-                                </p:cTn>
-                              </p:par>
-                            </p:childTnLst>
-                          </p:cTn>
-                        </p:par>
-                      </p:childTnLst>
-                    </p:cTn>
-                  </p:par>
-                  <p:par>
-                    <p:cTn id="10" fill="hold">
-                      <p:stCondLst>
-                        <p:cond delay="indefinite"/>
-                      </p:stCondLst>
-                      <p:childTnLst>
-                        <p:par>
-                          <p:cTn id="11" fill="hold">
-                            <p:stCondLst>
-                              <p:cond delay="0"/>
-                            </p:stCondLst>
-                            <p:childTnLst>
-                              <p:par>
-                                <p:cTn id="12" presetID="16" presetClass="entr" presetSubtype="21" fill="hold" nodeType="clickEffect">
-                                  <p:stCondLst>
-                                    <p:cond delay="0"/>
-                                  </p:stCondLst>
-                                  <p:childTnLst>
-                                    <p:set>
-                                      <p:cBhvr>
-                                        <p:cTn id="13" dur="1" fill="hold">
-                                          <p:stCondLst>
-                                            <p:cond delay="0"/>
-                                          </p:stCondLst>
-                                        </p:cTn>
-                                        <p:tgtEl>
-                                          <p:spTgt spid="6"/>
-                                        </p:tgtEl>
-                                        <p:attrNameLst>
-                                          <p:attrName>style.visibility</p:attrName>
-                                        </p:attrNameLst>
-                                      </p:cBhvr>
-                                      <p:to>
-                                        <p:strVal val="visible"/>
-                                      </p:to>
-                                    </p:set>
-                                    <p:animEffect transition="in" filter="barn(inVertical)">
-                                      <p:cBhvr>
-                                        <p:cTn id="14" dur="500"/>
-                                        <p:tgtEl>
-                                          <p:spTgt spid="6"/>
-                                        </p:tgtEl>
-                                      </p:cBhvr>
-                                    </p:animEffect>
-                                  </p:childTnLst>
-                                </p:cTn>
-                              </p:par>
-                              <p:par>
-                                <p:cTn id="15" presetID="16" presetClass="entr" presetSubtype="21" fill="hold" nodeType="withEffect">
-                                  <p:stCondLst>
-                                    <p:cond delay="0"/>
-                                  </p:stCondLst>
-                                  <p:childTnLst>
-                                    <p:set>
-                                      <p:cBhvr>
-                                        <p:cTn id="16" dur="1" fill="hold">
-                                          <p:stCondLst>
-                                            <p:cond delay="0"/>
-                                          </p:stCondLst>
-                                        </p:cTn>
-                                        <p:tgtEl>
-                                          <p:spTgt spid="9"/>
-                                        </p:tgtEl>
-                                        <p:attrNameLst>
-                                          <p:attrName>style.visibility</p:attrName>
-                                        </p:attrNameLst>
-                                      </p:cBhvr>
-                                      <p:to>
-                                        <p:strVal val="visible"/>
-                                      </p:to>
-                                    </p:set>
-                                    <p:animEffect transition="in" filter="barn(inVertical)">
-                                      <p:cBhvr>
-                                        <p:cTn id="17" dur="500"/>
-                                        <p:tgtEl>
-                                          <p:spTgt spid="9"/>
-                                        </p:tgtEl>
-                                      </p:cBhvr>
-                                    </p:animEffect>
-                                  </p:childTnLst>
-                                </p:cTn>
-                              </p:par>
-                              <p:par>
-                                <p:cTn id="18" presetID="16" presetClass="entr" presetSubtype="21" fill="hold" nodeType="withEffect">
-                                  <p:stCondLst>
-                                    <p:cond delay="0"/>
-                                  </p:stCondLst>
-                                  <p:childTnLst>
-                                    <p:set>
-                                      <p:cBhvr>
-                                        <p:cTn id="19" dur="1" fill="hold">
-                                          <p:stCondLst>
-                                            <p:cond delay="0"/>
-                                          </p:stCondLst>
-                                        </p:cTn>
-                                        <p:tgtEl>
-                                          <p:spTgt spid="10"/>
-                                        </p:tgtEl>
-                                        <p:attrNameLst>
-                                          <p:attrName>style.visibility</p:attrName>
-                                        </p:attrNameLst>
-                                      </p:cBhvr>
-                                      <p:to>
-                                        <p:strVal val="visible"/>
-                                      </p:to>
-                                    </p:set>
-                                    <p:animEffect transition="in" filter="barn(inVertical)">
-                                      <p:cBhvr>
-                                        <p:cTn id="20" dur="500"/>
-                                        <p:tgtEl>
-                                          <p:spTgt spid="10"/>
-                                        </p:tgtEl>
-                                      </p:cBhvr>
-                                    </p:animEffect>
-                                  </p:childTnLst>
-                                </p:cTn>
-                              </p:par>
-                              <p:par>
-                                <p:cTn id="21" presetID="16" presetClass="entr" presetSubtype="21" fill="hold" nodeType="withEffect">
-                                  <p:stCondLst>
-                                    <p:cond delay="0"/>
-                                  </p:stCondLst>
-                                  <p:childTnLst>
-                                    <p:set>
-                                      <p:cBhvr>
-                                        <p:cTn id="22" dur="1" fill="hold">
-                                          <p:stCondLst>
-                                            <p:cond delay="0"/>
-                                          </p:stCondLst>
-                                        </p:cTn>
-                                        <p:tgtEl>
-                                          <p:spTgt spid="8"/>
-                                        </p:tgtEl>
-                                        <p:attrNameLst>
-                                          <p:attrName>style.visibility</p:attrName>
-                                        </p:attrNameLst>
-                                      </p:cBhvr>
-                                      <p:to>
-                                        <p:strVal val="visible"/>
-                                      </p:to>
-                                    </p:set>
-                                    <p:animEffect transition="in" filter="barn(inVertical)">
-                                      <p:cBhvr>
-                                        <p:cTn id="23" dur="500"/>
-                                        <p:tgtEl>
-                                          <p:spTgt spid="8"/>
-                                        </p:tgtEl>
-                                      </p:cBhvr>
-                                    </p:animEffect>
                                   </p:childTnLst>
                                 </p:cTn>
                               </p:par>
@@ -26782,7 +27324,7 @@
       </p:par>
     </p:tnLst>
     <p:bldLst>
-      <p:bldP spid="2" grpId="0"/>
+      <p:bldP spid="3" grpId="0"/>
     </p:bldLst>
   </p:timing>
 </p:sld>
@@ -27306,6 +27848,15 @@
 </file>
 
 <file path=customXml/item1.xml><?xml version="1.0" encoding="utf-8"?>
+<?mso-contentType ?>
+<FormTemplates xmlns="http://schemas.microsoft.com/sharepoint/v3/contenttype/forms">
+  <Display>DocumentLibraryForm</Display>
+  <Edit>DocumentLibraryForm</Edit>
+  <New>DocumentLibraryForm</New>
+</FormTemplates>
+</file>
+
+<file path=customXml/item2.xml><?xml version="1.0" encoding="utf-8"?>
 <ct:contentTypeSchema xmlns:ct="http://schemas.microsoft.com/office/2006/metadata/contentType" xmlns:ma="http://schemas.microsoft.com/office/2006/metadata/properties/metaAttributes" ct:_="" ma:_="" ma:contentTypeName="Document" ma:contentTypeID="0x010100792D98E7AB91494AA1019D5B680C9665" ma:contentTypeVersion="11" ma:contentTypeDescription="Create a new document." ma:contentTypeScope="" ma:versionID="f21f3a26f1b834a6fb7c94491c4ef35a">
   <xsd:schema xmlns:xsd="http://www.w3.org/2001/XMLSchema" xmlns:xs="http://www.w3.org/2001/XMLSchema" xmlns:p="http://schemas.microsoft.com/office/2006/metadata/properties" xmlns:ns3="730b6cad-ec73-4f0e-ae3a-03c3249ed930" xmlns:ns4="bbf8b34b-d290-4793-8b38-f43b3f8f72fb" targetNamespace="http://schemas.microsoft.com/office/2006/metadata/properties" ma:root="true" ma:fieldsID="92d441552f43309212f5a84f22d43684" ns3:_="" ns4:_="">
     <xsd:import namespace="730b6cad-ec73-4f0e-ae3a-03c3249ed930"/>
@@ -27514,22 +28065,21 @@
 </ct:contentTypeSchema>
 </file>
 
-<file path=customXml/item2.xml><?xml version="1.0" encoding="utf-8"?>
+<file path=customXml/item3.xml><?xml version="1.0" encoding="utf-8"?>
 <p:properties xmlns:p="http://schemas.microsoft.com/office/2006/metadata/properties" xmlns:xsi="http://www.w3.org/2001/XMLSchema-instance" xmlns:pc="http://schemas.microsoft.com/office/infopath/2007/PartnerControls">
   <documentManagement/>
 </p:properties>
 </file>
 
-<file path=customXml/item3.xml><?xml version="1.0" encoding="utf-8"?>
-<?mso-contentType ?>
-<FormTemplates xmlns="http://schemas.microsoft.com/sharepoint/v3/contenttype/forms">
-  <Display>DocumentLibraryForm</Display>
-  <Edit>DocumentLibraryForm</Edit>
-  <New>DocumentLibraryForm</New>
-</FormTemplates>
+<file path=customXml/itemProps1.xml><?xml version="1.0" encoding="utf-8"?>
+<ds:datastoreItem xmlns:ds="http://schemas.openxmlformats.org/officeDocument/2006/customXml" ds:itemID="{143AE1C4-36D1-4585-A5AC-812424636206}">
+  <ds:schemaRefs>
+    <ds:schemaRef ds:uri="http://schemas.microsoft.com/sharepoint/v3/contenttype/forms"/>
+  </ds:schemaRefs>
+</ds:datastoreItem>
 </file>
 
-<file path=customXml/itemProps1.xml><?xml version="1.0" encoding="utf-8"?>
+<file path=customXml/itemProps2.xml><?xml version="1.0" encoding="utf-8"?>
 <ds:datastoreItem xmlns:ds="http://schemas.openxmlformats.org/officeDocument/2006/customXml" ds:itemID="{8A5327F2-2ADE-446A-A342-BAED2F2219CA}">
   <ds:schemaRefs>
     <ds:schemaRef ds:uri="http://schemas.microsoft.com/office/2006/metadata/contentType"/>
@@ -27548,27 +28098,19 @@
 </ds:datastoreItem>
 </file>
 
-<file path=customXml/itemProps2.xml><?xml version="1.0" encoding="utf-8"?>
+<file path=customXml/itemProps3.xml><?xml version="1.0" encoding="utf-8"?>
 <ds:datastoreItem xmlns:ds="http://schemas.openxmlformats.org/officeDocument/2006/customXml" ds:itemID="{EB201BA1-E35A-43A2-BCBB-FBE7C5568A2A}">
   <ds:schemaRefs>
+    <ds:schemaRef ds:uri="http://purl.org/dc/terms/"/>
+    <ds:schemaRef ds:uri="http://schemas.microsoft.com/office/2006/documentManagement/types"/>
+    <ds:schemaRef ds:uri="bbf8b34b-d290-4793-8b38-f43b3f8f72fb"/>
+    <ds:schemaRef ds:uri="http://purl.org/dc/dcmitype/"/>
     <ds:schemaRef ds:uri="http://purl.org/dc/elements/1.1/"/>
-    <ds:schemaRef ds:uri="http://purl.org/dc/dcmitype/"/>
+    <ds:schemaRef ds:uri="http://www.w3.org/XML/1998/namespace"/>
     <ds:schemaRef ds:uri="http://schemas.microsoft.com/office/infopath/2007/PartnerControls"/>
-    <ds:schemaRef ds:uri="http://schemas.microsoft.com/office/2006/documentManagement/types"/>
+    <ds:schemaRef ds:uri="http://schemas.openxmlformats.org/package/2006/metadata/core-properties"/>
     <ds:schemaRef ds:uri="730b6cad-ec73-4f0e-ae3a-03c3249ed930"/>
-    <ds:schemaRef ds:uri="http://purl.org/dc/terms/"/>
-    <ds:schemaRef ds:uri="http://schemas.openxmlformats.org/package/2006/metadata/core-properties"/>
-    <ds:schemaRef ds:uri="bbf8b34b-d290-4793-8b38-f43b3f8f72fb"/>
     <ds:schemaRef ds:uri="http://schemas.microsoft.com/office/2006/metadata/properties"/>
-    <ds:schemaRef ds:uri="http://www.w3.org/XML/1998/namespace"/>
-  </ds:schemaRefs>
-</ds:datastoreItem>
-</file>
-
-<file path=customXml/itemProps3.xml><?xml version="1.0" encoding="utf-8"?>
-<ds:datastoreItem xmlns:ds="http://schemas.openxmlformats.org/officeDocument/2006/customXml" ds:itemID="{143AE1C4-36D1-4585-A5AC-812424636206}">
-  <ds:schemaRefs>
-    <ds:schemaRef ds:uri="http://schemas.microsoft.com/sharepoint/v3/contenttype/forms"/>
   </ds:schemaRefs>
 </ds:datastoreItem>
 </file>
--- a/Document/EchoFlightsPPT.pptx
+++ b/Document/EchoFlightsPPT.pptx
@@ -5,7 +5,7 @@
     <p:sldMasterId id="2147483893" r:id="rId4"/>
   </p:sldMasterIdLst>
   <p:notesMasterIdLst>
-    <p:notesMasterId r:id="rId17"/>
+    <p:notesMasterId r:id="rId16"/>
   </p:notesMasterIdLst>
   <p:sldIdLst>
     <p:sldId id="256" r:id="rId5"/>
@@ -17,9 +17,8 @@
     <p:sldId id="261" r:id="rId11"/>
     <p:sldId id="263" r:id="rId12"/>
     <p:sldId id="267" r:id="rId13"/>
-    <p:sldId id="264" r:id="rId14"/>
-    <p:sldId id="265" r:id="rId15"/>
-    <p:sldId id="266" r:id="rId16"/>
+    <p:sldId id="265" r:id="rId14"/>
+    <p:sldId id="266" r:id="rId15"/>
   </p:sldIdLst>
   <p:sldSz cx="12192000" cy="6858000"/>
   <p:notesSz cx="6858000" cy="9144000"/>
@@ -5501,7 +5500,7 @@
               <a:latin typeface="Yu Gothic UI Semilight" panose="020B0400000000000000" pitchFamily="34" charset="-128"/>
               <a:ea typeface="Yu Gothic UI Semilight" panose="020B0400000000000000" pitchFamily="34" charset="-128"/>
             </a:rPr>
-            <a:t>Update Profile</a:t>
+            <a:t>Update Profile(User)</a:t>
           </a:r>
           <a:endParaRPr lang="en-IN" sz="1400" dirty="0">
             <a:latin typeface="Yu Gothic UI Semilight" panose="020B0400000000000000" pitchFamily="34" charset="-128"/>
@@ -7752,8 +7751,8 @@
       </dsp:nvSpPr>
       <dsp:spPr>
         <a:xfrm>
-          <a:off x="3192268" y="985766"/>
-          <a:ext cx="1262834" cy="1262989"/>
+          <a:off x="3339514" y="1079829"/>
+          <a:ext cx="1383335" cy="1383504"/>
         </a:xfrm>
         <a:prstGeom prst="ellipse">
           <a:avLst/>
@@ -7802,8 +7801,8 @@
       </dsp:nvSpPr>
       <dsp:spPr>
         <a:xfrm>
-          <a:off x="2524317" y="0"/>
-          <a:ext cx="2598735" cy="774365"/>
+          <a:off x="2607827" y="0"/>
+          <a:ext cx="2846709" cy="848255"/>
         </a:xfrm>
         <a:prstGeom prst="rect">
           <a:avLst/>
@@ -7858,8 +7857,8 @@
         </a:p>
       </dsp:txBody>
       <dsp:txXfrm>
-        <a:off x="2524317" y="0"/>
-        <a:ext cx="2598735" cy="774365"/>
+        <a:off x="2607827" y="0"/>
+        <a:ext cx="2846709" cy="848255"/>
       </dsp:txXfrm>
     </dsp:sp>
     <dsp:sp modelId="{51C8EA63-2FCC-43C0-B66C-4B111E567A7B}">
@@ -7869,8 +7868,8 @@
       </dsp:nvSpPr>
       <dsp:spPr>
         <a:xfrm>
-          <a:off x="3562699" y="1163870"/>
-          <a:ext cx="1262834" cy="1262989"/>
+          <a:off x="3745292" y="1274928"/>
+          <a:ext cx="1383335" cy="1383504"/>
         </a:xfrm>
         <a:prstGeom prst="ellipse">
           <a:avLst/>
@@ -7919,8 +7918,8 @@
       </dsp:nvSpPr>
       <dsp:spPr>
         <a:xfrm>
-          <a:off x="4611022" y="735646"/>
-          <a:ext cx="2108593" cy="851801"/>
+          <a:off x="4893647" y="805842"/>
+          <a:ext cx="2309797" cy="933081"/>
         </a:xfrm>
         <a:prstGeom prst="rect">
           <a:avLst/>
@@ -7975,8 +7974,8 @@
         </a:p>
       </dsp:txBody>
       <dsp:txXfrm>
-        <a:off x="4611022" y="735646"/>
-        <a:ext cx="2108593" cy="851801"/>
+        <a:off x="4893647" y="805842"/>
+        <a:ext cx="2309797" cy="933081"/>
       </dsp:txXfrm>
     </dsp:sp>
     <dsp:sp modelId="{EC3D369A-E405-49C0-8F63-7FF5BD649304}">
@@ -7986,8 +7985,8 @@
       </dsp:nvSpPr>
       <dsp:spPr>
         <a:xfrm>
-          <a:off x="3653729" y="1564604"/>
-          <a:ext cx="1262834" cy="1262989"/>
+          <a:off x="3845008" y="1713900"/>
+          <a:ext cx="1383335" cy="1383504"/>
         </a:xfrm>
         <a:prstGeom prst="ellipse">
           <a:avLst/>
@@ -8036,8 +8035,8 @@
       </dsp:nvSpPr>
       <dsp:spPr>
         <a:xfrm>
-          <a:off x="4715291" y="1819757"/>
-          <a:ext cx="2136835" cy="909878"/>
+          <a:off x="5007866" y="1993400"/>
+          <a:ext cx="2340734" cy="996700"/>
         </a:xfrm>
         <a:prstGeom prst="rect">
           <a:avLst/>
@@ -8092,8 +8091,8 @@
         </a:p>
       </dsp:txBody>
       <dsp:txXfrm>
-        <a:off x="4715291" y="1819757"/>
-        <a:ext cx="2136835" cy="909878"/>
+        <a:off x="5007866" y="1993400"/>
+        <a:ext cx="2340734" cy="996700"/>
       </dsp:txXfrm>
     </dsp:sp>
     <dsp:sp modelId="{857E5AFF-B87F-4519-AC00-DA8BADE67D92}">
@@ -8103,8 +8102,8 @@
       </dsp:nvSpPr>
       <dsp:spPr>
         <a:xfrm>
-          <a:off x="3397478" y="1885965"/>
-          <a:ext cx="1262834" cy="1262989"/>
+          <a:off x="3564306" y="2065926"/>
+          <a:ext cx="1383335" cy="1383504"/>
         </a:xfrm>
         <a:prstGeom prst="ellipse">
           <a:avLst/>
@@ -8153,8 +8152,8 @@
       </dsp:nvSpPr>
       <dsp:spPr>
         <a:xfrm>
-          <a:off x="3846546" y="3039382"/>
-          <a:ext cx="2821964" cy="832442"/>
+          <a:off x="4056224" y="3329403"/>
+          <a:ext cx="3091238" cy="911874"/>
         </a:xfrm>
         <a:prstGeom prst="rect">
           <a:avLst/>
@@ -8200,7 +8199,7 @@
               <a:latin typeface="Yu Gothic UI Semilight" panose="020B0400000000000000" pitchFamily="34" charset="-128"/>
               <a:ea typeface="Yu Gothic UI Semilight" panose="020B0400000000000000" pitchFamily="34" charset="-128"/>
             </a:rPr>
-            <a:t>Update Profile</a:t>
+            <a:t>Update Profile(User)</a:t>
           </a:r>
           <a:endParaRPr lang="en-IN" sz="1400" kern="1200" dirty="0">
             <a:latin typeface="Yu Gothic UI Semilight" panose="020B0400000000000000" pitchFamily="34" charset="-128"/>
@@ -8209,8 +8208,8 @@
         </a:p>
       </dsp:txBody>
       <dsp:txXfrm>
-        <a:off x="3846546" y="3039382"/>
-        <a:ext cx="2821964" cy="832442"/>
+        <a:off x="4056224" y="3329403"/>
+        <a:ext cx="3091238" cy="911874"/>
       </dsp:txXfrm>
     </dsp:sp>
     <dsp:sp modelId="{2E2F4CE5-653B-4C4B-9B2B-A6DE87C3F03B}">
@@ -8220,8 +8219,8 @@
       </dsp:nvSpPr>
       <dsp:spPr>
         <a:xfrm>
-          <a:off x="2987057" y="1885965"/>
-          <a:ext cx="1262834" cy="1262989"/>
+          <a:off x="3114722" y="2065926"/>
+          <a:ext cx="1383335" cy="1383504"/>
         </a:xfrm>
         <a:prstGeom prst="ellipse">
           <a:avLst/>
@@ -8270,8 +8269,8 @@
       </dsp:nvSpPr>
       <dsp:spPr>
         <a:xfrm>
-          <a:off x="1666343" y="3039382"/>
-          <a:ext cx="1446997" cy="832442"/>
+          <a:off x="1667984" y="3329403"/>
+          <a:ext cx="1585071" cy="911874"/>
         </a:xfrm>
         <a:prstGeom prst="rect">
           <a:avLst/>
@@ -8326,8 +8325,8 @@
         </a:p>
       </dsp:txBody>
       <dsp:txXfrm>
-        <a:off x="1666343" y="3039382"/>
-        <a:ext cx="1446997" cy="832442"/>
+        <a:off x="1667984" y="3329403"/>
+        <a:ext cx="1585071" cy="911874"/>
       </dsp:txXfrm>
     </dsp:sp>
     <dsp:sp modelId="{A9BFDC40-6BEA-4723-94A9-FD28EA541A97}">
@@ -8337,8 +8336,8 @@
       </dsp:nvSpPr>
       <dsp:spPr>
         <a:xfrm>
-          <a:off x="2730807" y="1564604"/>
-          <a:ext cx="1262834" cy="1262989"/>
+          <a:off x="2834020" y="1713900"/>
+          <a:ext cx="1383335" cy="1383504"/>
         </a:xfrm>
         <a:prstGeom prst="ellipse">
           <a:avLst/>
@@ -8387,8 +8386,8 @@
       </dsp:nvSpPr>
       <dsp:spPr>
         <a:xfrm>
-          <a:off x="1192780" y="1819757"/>
-          <a:ext cx="1341761" cy="909878"/>
+          <a:off x="1149233" y="1993400"/>
+          <a:ext cx="1469793" cy="996700"/>
         </a:xfrm>
         <a:prstGeom prst="rect">
           <a:avLst/>
@@ -8443,8 +8442,8 @@
         </a:p>
       </dsp:txBody>
       <dsp:txXfrm>
-        <a:off x="1192780" y="1819757"/>
-        <a:ext cx="1341761" cy="909878"/>
+        <a:off x="1149233" y="1993400"/>
+        <a:ext cx="1469793" cy="996700"/>
       </dsp:txXfrm>
     </dsp:sp>
     <dsp:sp modelId="{0D62DAD9-C093-429B-9E34-05A8DAB08E8B}">
@@ -8454,8 +8453,8 @@
       </dsp:nvSpPr>
       <dsp:spPr>
         <a:xfrm>
-          <a:off x="2821836" y="1163870"/>
-          <a:ext cx="1262834" cy="1262989"/>
+          <a:off x="2933736" y="1274928"/>
+          <a:ext cx="1383335" cy="1383504"/>
         </a:xfrm>
         <a:prstGeom prst="ellipse">
           <a:avLst/>
@@ -8504,8 +8503,8 @@
       </dsp:nvSpPr>
       <dsp:spPr>
         <a:xfrm>
-          <a:off x="587762" y="735646"/>
-          <a:ext cx="2788579" cy="851801"/>
+          <a:off x="486484" y="805842"/>
+          <a:ext cx="3054668" cy="933081"/>
         </a:xfrm>
         <a:prstGeom prst="rect">
           <a:avLst/>
@@ -8560,8 +8559,8 @@
         </a:p>
       </dsp:txBody>
       <dsp:txXfrm>
-        <a:off x="587762" y="735646"/>
-        <a:ext cx="2788579" cy="851801"/>
+        <a:off x="486484" y="805842"/>
+        <a:ext cx="3054668" cy="933081"/>
       </dsp:txXfrm>
     </dsp:sp>
   </dsp:spTree>
@@ -14430,7 +14429,7 @@
           <a:p>
             <a:fld id="{9AA15186-3314-47BF-9B68-BE130DECC2CC}" type="datetimeFigureOut">
               <a:rPr lang="en-IN" smtClean="0"/>
-              <a:t>11-01-2022</a:t>
+              <a:t>18-01-2022</a:t>
             </a:fld>
             <a:endParaRPr lang="en-IN"/>
           </a:p>
@@ -15200,7 +15199,7 @@
           <a:p>
             <a:fld id="{2EDF1F6C-4A97-461E-9B72-22DF079B8C26}" type="datetimeFigureOut">
               <a:rPr lang="en-IN" smtClean="0"/>
-              <a:t>11-01-2022</a:t>
+              <a:t>18-01-2022</a:t>
             </a:fld>
             <a:endParaRPr lang="en-IN"/>
           </a:p>
@@ -15496,7 +15495,7 @@
           <a:p>
             <a:fld id="{2EDF1F6C-4A97-461E-9B72-22DF079B8C26}" type="datetimeFigureOut">
               <a:rPr lang="en-IN" smtClean="0"/>
-              <a:t>11-01-2022</a:t>
+              <a:t>18-01-2022</a:t>
             </a:fld>
             <a:endParaRPr lang="en-IN"/>
           </a:p>
@@ -15744,7 +15743,7 @@
           <a:p>
             <a:fld id="{2EDF1F6C-4A97-461E-9B72-22DF079B8C26}" type="datetimeFigureOut">
               <a:rPr lang="en-IN" smtClean="0"/>
-              <a:t>11-01-2022</a:t>
+              <a:t>18-01-2022</a:t>
             </a:fld>
             <a:endParaRPr lang="en-IN"/>
           </a:p>
@@ -16284,7 +16283,7 @@
           <a:p>
             <a:fld id="{2EDF1F6C-4A97-461E-9B72-22DF079B8C26}" type="datetimeFigureOut">
               <a:rPr lang="en-IN" smtClean="0"/>
-              <a:t>11-01-2022</a:t>
+              <a:t>18-01-2022</a:t>
             </a:fld>
             <a:endParaRPr lang="en-IN"/>
           </a:p>
@@ -16532,7 +16531,7 @@
           <a:p>
             <a:fld id="{2EDF1F6C-4A97-461E-9B72-22DF079B8C26}" type="datetimeFigureOut">
               <a:rPr lang="en-IN" smtClean="0"/>
-              <a:t>11-01-2022</a:t>
+              <a:t>18-01-2022</a:t>
             </a:fld>
             <a:endParaRPr lang="en-IN"/>
           </a:p>
@@ -17064,7 +17063,7 @@
           <a:p>
             <a:fld id="{2EDF1F6C-4A97-461E-9B72-22DF079B8C26}" type="datetimeFigureOut">
               <a:rPr lang="en-IN" smtClean="0"/>
-              <a:t>11-01-2022</a:t>
+              <a:t>18-01-2022</a:t>
             </a:fld>
             <a:endParaRPr lang="en-IN"/>
           </a:p>
@@ -17361,7 +17360,7 @@
           <a:p>
             <a:fld id="{2EDF1F6C-4A97-461E-9B72-22DF079B8C26}" type="datetimeFigureOut">
               <a:rPr lang="en-IN" smtClean="0"/>
-              <a:t>11-01-2022</a:t>
+              <a:t>18-01-2022</a:t>
             </a:fld>
             <a:endParaRPr lang="en-IN"/>
           </a:p>
@@ -17535,7 +17534,7 @@
           <a:p>
             <a:fld id="{2EDF1F6C-4A97-461E-9B72-22DF079B8C26}" type="datetimeFigureOut">
               <a:rPr lang="en-IN" smtClean="0"/>
-              <a:t>11-01-2022</a:t>
+              <a:t>18-01-2022</a:t>
             </a:fld>
             <a:endParaRPr lang="en-IN"/>
           </a:p>
@@ -17715,7 +17714,7 @@
           <a:p>
             <a:fld id="{2EDF1F6C-4A97-461E-9B72-22DF079B8C26}" type="datetimeFigureOut">
               <a:rPr lang="en-IN" smtClean="0"/>
-              <a:t>11-01-2022</a:t>
+              <a:t>18-01-2022</a:t>
             </a:fld>
             <a:endParaRPr lang="en-IN"/>
           </a:p>
@@ -17885,7 +17884,7 @@
           <a:p>
             <a:fld id="{2EDF1F6C-4A97-461E-9B72-22DF079B8C26}" type="datetimeFigureOut">
               <a:rPr lang="en-IN" smtClean="0"/>
-              <a:t>11-01-2022</a:t>
+              <a:t>18-01-2022</a:t>
             </a:fld>
             <a:endParaRPr lang="en-IN"/>
           </a:p>
@@ -18136,7 +18135,7 @@
           <a:p>
             <a:fld id="{2EDF1F6C-4A97-461E-9B72-22DF079B8C26}" type="datetimeFigureOut">
               <a:rPr lang="en-IN" smtClean="0"/>
-              <a:t>11-01-2022</a:t>
+              <a:t>18-01-2022</a:t>
             </a:fld>
             <a:endParaRPr lang="en-IN"/>
           </a:p>
@@ -18433,7 +18432,7 @@
           <a:p>
             <a:fld id="{2EDF1F6C-4A97-461E-9B72-22DF079B8C26}" type="datetimeFigureOut">
               <a:rPr lang="en-IN" smtClean="0"/>
-              <a:t>11-01-2022</a:t>
+              <a:t>18-01-2022</a:t>
             </a:fld>
             <a:endParaRPr lang="en-IN"/>
           </a:p>
@@ -18875,7 +18874,7 @@
           <a:p>
             <a:fld id="{2EDF1F6C-4A97-461E-9B72-22DF079B8C26}" type="datetimeFigureOut">
               <a:rPr lang="en-IN" smtClean="0"/>
-              <a:t>11-01-2022</a:t>
+              <a:t>18-01-2022</a:t>
             </a:fld>
             <a:endParaRPr lang="en-IN"/>
           </a:p>
@@ -18993,7 +18992,7 @@
           <a:p>
             <a:fld id="{2EDF1F6C-4A97-461E-9B72-22DF079B8C26}" type="datetimeFigureOut">
               <a:rPr lang="en-IN" smtClean="0"/>
-              <a:t>11-01-2022</a:t>
+              <a:t>18-01-2022</a:t>
             </a:fld>
             <a:endParaRPr lang="en-IN"/>
           </a:p>
@@ -19088,7 +19087,7 @@
           <a:p>
             <a:fld id="{2EDF1F6C-4A97-461E-9B72-22DF079B8C26}" type="datetimeFigureOut">
               <a:rPr lang="en-IN" smtClean="0"/>
-              <a:t>11-01-2022</a:t>
+              <a:t>18-01-2022</a:t>
             </a:fld>
             <a:endParaRPr lang="en-IN"/>
           </a:p>
@@ -19371,7 +19370,7 @@
           <a:p>
             <a:fld id="{2EDF1F6C-4A97-461E-9B72-22DF079B8C26}" type="datetimeFigureOut">
               <a:rPr lang="en-IN" smtClean="0"/>
-              <a:t>11-01-2022</a:t>
+              <a:t>18-01-2022</a:t>
             </a:fld>
             <a:endParaRPr lang="en-IN"/>
           </a:p>
@@ -19662,7 +19661,7 @@
           <a:p>
             <a:fld id="{2EDF1F6C-4A97-461E-9B72-22DF079B8C26}" type="datetimeFigureOut">
               <a:rPr lang="en-IN" smtClean="0"/>
-              <a:t>11-01-2022</a:t>
+              <a:t>18-01-2022</a:t>
             </a:fld>
             <a:endParaRPr lang="en-IN"/>
           </a:p>
@@ -20192,7 +20191,7 @@
           <a:p>
             <a:fld id="{2EDF1F6C-4A97-461E-9B72-22DF079B8C26}" type="datetimeFigureOut">
               <a:rPr lang="en-IN" smtClean="0"/>
-              <a:t>11-01-2022</a:t>
+              <a:t>18-01-2022</a:t>
             </a:fld>
             <a:endParaRPr lang="en-IN"/>
           </a:p>
@@ -20984,704 +20983,7 @@
         </p:nvSpPr>
         <p:spPr>
           <a:xfrm>
-            <a:off x="1348509" y="1998806"/>
-            <a:ext cx="682297" cy="2541731"/>
-          </a:xfrm>
-        </p:spPr>
-        <p:txBody>
-          <a:bodyPr>
-            <a:noAutofit/>
-          </a:bodyPr>
-          <a:lstStyle/>
-          <a:p>
-            <a:r>
-              <a:rPr lang="en-GB" sz="2800" dirty="0" smtClean="0">
-                <a:solidFill>
-                  <a:srgbClr val="0B5395"/>
-                </a:solidFill>
-                <a:latin typeface="Yu Gothic UI Semilight" panose="020B0400000000000000" pitchFamily="34" charset="-128"/>
-                <a:ea typeface="Yu Gothic UI Semilight" panose="020B0400000000000000" pitchFamily="34" charset="-128"/>
-              </a:rPr>
-              <a:t>T</a:t>
-            </a:r>
-            <a:br>
-              <a:rPr lang="en-GB" sz="2800" dirty="0" smtClean="0">
-                <a:solidFill>
-                  <a:srgbClr val="0B5395"/>
-                </a:solidFill>
-                <a:latin typeface="Yu Gothic UI Semilight" panose="020B0400000000000000" pitchFamily="34" charset="-128"/>
-                <a:ea typeface="Yu Gothic UI Semilight" panose="020B0400000000000000" pitchFamily="34" charset="-128"/>
-              </a:rPr>
-            </a:br>
-            <a:r>
-              <a:rPr lang="en-GB" sz="2800" dirty="0" smtClean="0">
-                <a:solidFill>
-                  <a:srgbClr val="0B5395"/>
-                </a:solidFill>
-                <a:latin typeface="Yu Gothic UI Semilight" panose="020B0400000000000000" pitchFamily="34" charset="-128"/>
-                <a:ea typeface="Yu Gothic UI Semilight" panose="020B0400000000000000" pitchFamily="34" charset="-128"/>
-              </a:rPr>
-              <a:t>A</a:t>
-            </a:r>
-            <a:br>
-              <a:rPr lang="en-GB" sz="2800" dirty="0" smtClean="0">
-                <a:solidFill>
-                  <a:srgbClr val="0B5395"/>
-                </a:solidFill>
-                <a:latin typeface="Yu Gothic UI Semilight" panose="020B0400000000000000" pitchFamily="34" charset="-128"/>
-                <a:ea typeface="Yu Gothic UI Semilight" panose="020B0400000000000000" pitchFamily="34" charset="-128"/>
-              </a:rPr>
-            </a:br>
-            <a:r>
-              <a:rPr lang="en-GB" sz="2800" dirty="0" smtClean="0">
-                <a:solidFill>
-                  <a:srgbClr val="0B5395"/>
-                </a:solidFill>
-                <a:latin typeface="Yu Gothic UI Semilight" panose="020B0400000000000000" pitchFamily="34" charset="-128"/>
-                <a:ea typeface="Yu Gothic UI Semilight" panose="020B0400000000000000" pitchFamily="34" charset="-128"/>
-              </a:rPr>
-              <a:t>B</a:t>
-            </a:r>
-            <a:br>
-              <a:rPr lang="en-GB" sz="2800" dirty="0" smtClean="0">
-                <a:solidFill>
-                  <a:srgbClr val="0B5395"/>
-                </a:solidFill>
-                <a:latin typeface="Yu Gothic UI Semilight" panose="020B0400000000000000" pitchFamily="34" charset="-128"/>
-                <a:ea typeface="Yu Gothic UI Semilight" panose="020B0400000000000000" pitchFamily="34" charset="-128"/>
-              </a:rPr>
-            </a:br>
-            <a:r>
-              <a:rPr lang="en-GB" sz="2800" dirty="0" smtClean="0">
-                <a:solidFill>
-                  <a:srgbClr val="0B5395"/>
-                </a:solidFill>
-                <a:latin typeface="Yu Gothic UI Semilight" panose="020B0400000000000000" pitchFamily="34" charset="-128"/>
-                <a:ea typeface="Yu Gothic UI Semilight" panose="020B0400000000000000" pitchFamily="34" charset="-128"/>
-              </a:rPr>
-              <a:t>L</a:t>
-            </a:r>
-            <a:br>
-              <a:rPr lang="en-GB" sz="2800" dirty="0" smtClean="0">
-                <a:solidFill>
-                  <a:srgbClr val="0B5395"/>
-                </a:solidFill>
-                <a:latin typeface="Yu Gothic UI Semilight" panose="020B0400000000000000" pitchFamily="34" charset="-128"/>
-                <a:ea typeface="Yu Gothic UI Semilight" panose="020B0400000000000000" pitchFamily="34" charset="-128"/>
-              </a:rPr>
-            </a:br>
-            <a:r>
-              <a:rPr lang="en-GB" sz="2800" dirty="0" smtClean="0">
-                <a:solidFill>
-                  <a:srgbClr val="0B5395"/>
-                </a:solidFill>
-                <a:latin typeface="Yu Gothic UI Semilight" panose="020B0400000000000000" pitchFamily="34" charset="-128"/>
-                <a:ea typeface="Yu Gothic UI Semilight" panose="020B0400000000000000" pitchFamily="34" charset="-128"/>
-              </a:rPr>
-              <a:t>E</a:t>
-            </a:r>
-            <a:br>
-              <a:rPr lang="en-GB" sz="2800" dirty="0" smtClean="0">
-                <a:solidFill>
-                  <a:srgbClr val="0B5395"/>
-                </a:solidFill>
-                <a:latin typeface="Yu Gothic UI Semilight" panose="020B0400000000000000" pitchFamily="34" charset="-128"/>
-                <a:ea typeface="Yu Gothic UI Semilight" panose="020B0400000000000000" pitchFamily="34" charset="-128"/>
-              </a:rPr>
-            </a:br>
-            <a:r>
-              <a:rPr lang="en-GB" sz="2800" dirty="0">
-                <a:solidFill>
-                  <a:srgbClr val="0B5395"/>
-                </a:solidFill>
-                <a:latin typeface="Yu Gothic UI Semilight" panose="020B0400000000000000" pitchFamily="34" charset="-128"/>
-                <a:ea typeface="Yu Gothic UI Semilight" panose="020B0400000000000000" pitchFamily="34" charset="-128"/>
-              </a:rPr>
-              <a:t>S</a:t>
-            </a:r>
-            <a:endParaRPr lang="en-IN" sz="2800" dirty="0">
-              <a:solidFill>
-                <a:srgbClr val="0B5395"/>
-              </a:solidFill>
-              <a:latin typeface="Yu Gothic UI Semilight" panose="020B0400000000000000" pitchFamily="34" charset="-128"/>
-              <a:ea typeface="Yu Gothic UI Semilight" panose="020B0400000000000000" pitchFamily="34" charset="-128"/>
-            </a:endParaRPr>
-          </a:p>
-        </p:txBody>
-      </p:sp>
-      <p:cxnSp>
-        <p:nvCxnSpPr>
-          <p:cNvPr id="4" name="Straight Connector 3"/>
-          <p:cNvCxnSpPr/>
-          <p:nvPr/>
-        </p:nvCxnSpPr>
-        <p:spPr>
-          <a:xfrm>
-            <a:off x="2030806" y="1998806"/>
-            <a:ext cx="3752" cy="2429165"/>
-          </a:xfrm>
-          <a:prstGeom prst="line">
-            <a:avLst/>
-          </a:prstGeom>
-        </p:spPr>
-        <p:style>
-          <a:lnRef idx="1">
-            <a:schemeClr val="accent1"/>
-          </a:lnRef>
-          <a:fillRef idx="0">
-            <a:schemeClr val="accent1"/>
-          </a:fillRef>
-          <a:effectRef idx="0">
-            <a:schemeClr val="accent1"/>
-          </a:effectRef>
-          <a:fontRef idx="minor">
-            <a:schemeClr val="tx1"/>
-          </a:fontRef>
-        </p:style>
-      </p:cxnSp>
-      <p:pic>
-        <p:nvPicPr>
-          <p:cNvPr id="6" name="Picture 5"/>
-          <p:cNvPicPr>
-            <a:picLocks noChangeAspect="1"/>
-          </p:cNvPicPr>
-          <p:nvPr/>
-        </p:nvPicPr>
-        <p:blipFill rotWithShape="1">
-          <a:blip r:embed="rId2" cstate="print">
-            <a:extLst>
-              <a:ext uri="{28A0092B-C50C-407E-A947-70E740481C1C}">
-                <a14:useLocalDpi xmlns:a14="http://schemas.microsoft.com/office/drawing/2010/main" val="0"/>
-              </a:ext>
-            </a:extLst>
-          </a:blip>
-          <a:srcRect r="4601" b="78720"/>
-          <a:stretch/>
-        </p:blipFill>
-        <p:spPr>
-          <a:xfrm>
-            <a:off x="1901009" y="103138"/>
-            <a:ext cx="5651376" cy="3454692"/>
-          </a:xfrm>
-          <a:prstGeom prst="rect">
-            <a:avLst/>
-          </a:prstGeom>
-        </p:spPr>
-      </p:pic>
-      <p:pic>
-        <p:nvPicPr>
-          <p:cNvPr id="8" name="Picture 7"/>
-          <p:cNvPicPr>
-            <a:picLocks noChangeAspect="1"/>
-          </p:cNvPicPr>
-          <p:nvPr/>
-        </p:nvPicPr>
-        <p:blipFill rotWithShape="1">
-          <a:blip r:embed="rId2" cstate="print">
-            <a:extLst>
-              <a:ext uri="{28A0092B-C50C-407E-A947-70E740481C1C}">
-                <a14:useLocalDpi xmlns:a14="http://schemas.microsoft.com/office/drawing/2010/main" val="0"/>
-              </a:ext>
-            </a:extLst>
-          </a:blip>
-          <a:srcRect t="49293" b="30101"/>
-          <a:stretch/>
-        </p:blipFill>
-        <p:spPr>
-          <a:xfrm>
-            <a:off x="1636087" y="3454047"/>
-            <a:ext cx="5783267" cy="3265938"/>
-          </a:xfrm>
-          <a:prstGeom prst="rect">
-            <a:avLst/>
-          </a:prstGeom>
-        </p:spPr>
-      </p:pic>
-      <p:pic>
-        <p:nvPicPr>
-          <p:cNvPr id="9" name="Picture 8"/>
-          <p:cNvPicPr>
-            <a:picLocks noChangeAspect="1"/>
-          </p:cNvPicPr>
-          <p:nvPr/>
-        </p:nvPicPr>
-        <p:blipFill rotWithShape="1">
-          <a:blip r:embed="rId2" cstate="print">
-            <a:extLst>
-              <a:ext uri="{28A0092B-C50C-407E-A947-70E740481C1C}">
-                <a14:useLocalDpi xmlns:a14="http://schemas.microsoft.com/office/drawing/2010/main" val="0"/>
-              </a:ext>
-            </a:extLst>
-          </a:blip>
-          <a:srcRect t="25018" r="34949" b="53837"/>
-          <a:stretch/>
-        </p:blipFill>
-        <p:spPr>
-          <a:xfrm>
-            <a:off x="8104885" y="2895511"/>
-            <a:ext cx="4075373" cy="3630418"/>
-          </a:xfrm>
-          <a:prstGeom prst="rect">
-            <a:avLst/>
-          </a:prstGeom>
-        </p:spPr>
-      </p:pic>
-      <p:pic>
-        <p:nvPicPr>
-          <p:cNvPr id="10" name="Picture 9"/>
-          <p:cNvPicPr>
-            <a:picLocks noChangeAspect="1"/>
-          </p:cNvPicPr>
-          <p:nvPr/>
-        </p:nvPicPr>
-        <p:blipFill rotWithShape="1">
-          <a:blip r:embed="rId2" cstate="print">
-            <a:extLst>
-              <a:ext uri="{28A0092B-C50C-407E-A947-70E740481C1C}">
-                <a14:useLocalDpi xmlns:a14="http://schemas.microsoft.com/office/drawing/2010/main" val="0"/>
-              </a:ext>
-            </a:extLst>
-          </a:blip>
-          <a:srcRect l="369" t="89017" r="49990" b="3225"/>
-          <a:stretch/>
-        </p:blipFill>
-        <p:spPr>
-          <a:xfrm>
-            <a:off x="7419354" y="2037307"/>
-            <a:ext cx="3406862" cy="1459075"/>
-          </a:xfrm>
-          <a:prstGeom prst="rect">
-            <a:avLst/>
-          </a:prstGeom>
-        </p:spPr>
-      </p:pic>
-      <p:pic>
-        <p:nvPicPr>
-          <p:cNvPr id="11" name="Picture 10"/>
-          <p:cNvPicPr>
-            <a:picLocks noChangeAspect="1"/>
-          </p:cNvPicPr>
-          <p:nvPr/>
-        </p:nvPicPr>
-        <p:blipFill>
-          <a:blip r:embed="rId3" cstate="print">
-            <a:extLst>
-              <a:ext uri="{28A0092B-C50C-407E-A947-70E740481C1C}">
-                <a14:useLocalDpi xmlns:a14="http://schemas.microsoft.com/office/drawing/2010/main" val="0"/>
-              </a:ext>
-            </a:extLst>
-          </a:blip>
-          <a:stretch>
-            <a:fillRect/>
-          </a:stretch>
-        </p:blipFill>
-        <p:spPr>
-          <a:xfrm>
-            <a:off x="10964973" y="346596"/>
-            <a:ext cx="795308" cy="795308"/>
-          </a:xfrm>
-          <a:prstGeom prst="rect">
-            <a:avLst/>
-          </a:prstGeom>
-        </p:spPr>
-      </p:pic>
-      <p:pic>
-        <p:nvPicPr>
-          <p:cNvPr id="13" name="Picture 12"/>
-          <p:cNvPicPr>
-            <a:picLocks noChangeAspect="1"/>
-          </p:cNvPicPr>
-          <p:nvPr/>
-        </p:nvPicPr>
-        <p:blipFill rotWithShape="1">
-          <a:blip r:embed="rId2" cstate="print">
-            <a:extLst>
-              <a:ext uri="{28A0092B-C50C-407E-A947-70E740481C1C}">
-                <a14:useLocalDpi xmlns:a14="http://schemas.microsoft.com/office/drawing/2010/main" val="0"/>
-              </a:ext>
-            </a:extLst>
-          </a:blip>
-          <a:srcRect l="369" t="74478" r="40306" b="13490"/>
-          <a:stretch/>
-        </p:blipFill>
-        <p:spPr>
-          <a:xfrm>
-            <a:off x="7324704" y="16977"/>
-            <a:ext cx="3544299" cy="1969892"/>
-          </a:xfrm>
-          <a:prstGeom prst="rect">
-            <a:avLst/>
-          </a:prstGeom>
-        </p:spPr>
-      </p:pic>
-    </p:spTree>
-    <p:extLst>
-      <p:ext uri="{BB962C8B-B14F-4D97-AF65-F5344CB8AC3E}">
-        <p14:creationId xmlns:p14="http://schemas.microsoft.com/office/powerpoint/2010/main" val="3255698111"/>
-      </p:ext>
-    </p:extLst>
-  </p:cSld>
-  <p:clrMapOvr>
-    <a:masterClrMapping/>
-  </p:clrMapOvr>
-  <p:timing>
-    <p:tnLst>
-      <p:par>
-        <p:cTn id="1" dur="indefinite" restart="never" nodeType="tmRoot">
-          <p:childTnLst>
-            <p:seq concurrent="1" nextAc="seek">
-              <p:cTn id="2" dur="indefinite" nodeType="mainSeq">
-                <p:childTnLst>
-                  <p:par>
-                    <p:cTn id="3" fill="hold">
-                      <p:stCondLst>
-                        <p:cond delay="indefinite"/>
-                      </p:stCondLst>
-                      <p:childTnLst>
-                        <p:par>
-                          <p:cTn id="4" fill="hold">
-                            <p:stCondLst>
-                              <p:cond delay="0"/>
-                            </p:stCondLst>
-                            <p:childTnLst>
-                              <p:par>
-                                <p:cTn id="5" presetID="42" presetClass="entr" presetSubtype="0" fill="hold" grpId="0" nodeType="clickEffect">
-                                  <p:stCondLst>
-                                    <p:cond delay="0"/>
-                                  </p:stCondLst>
-                                  <p:childTnLst>
-                                    <p:set>
-                                      <p:cBhvr>
-                                        <p:cTn id="6" dur="1" fill="hold">
-                                          <p:stCondLst>
-                                            <p:cond delay="0"/>
-                                          </p:stCondLst>
-                                        </p:cTn>
-                                        <p:tgtEl>
-                                          <p:spTgt spid="2"/>
-                                        </p:tgtEl>
-                                        <p:attrNameLst>
-                                          <p:attrName>style.visibility</p:attrName>
-                                        </p:attrNameLst>
-                                      </p:cBhvr>
-                                      <p:to>
-                                        <p:strVal val="visible"/>
-                                      </p:to>
-                                    </p:set>
-                                    <p:animEffect transition="in" filter="fade">
-                                      <p:cBhvr>
-                                        <p:cTn id="7" dur="1000"/>
-                                        <p:tgtEl>
-                                          <p:spTgt spid="2"/>
-                                        </p:tgtEl>
-                                      </p:cBhvr>
-                                    </p:animEffect>
-                                    <p:anim calcmode="lin" valueType="num">
-                                      <p:cBhvr>
-                                        <p:cTn id="8" dur="1000" fill="hold"/>
-                                        <p:tgtEl>
-                                          <p:spTgt spid="2"/>
-                                        </p:tgtEl>
-                                        <p:attrNameLst>
-                                          <p:attrName>ppt_x</p:attrName>
-                                        </p:attrNameLst>
-                                      </p:cBhvr>
-                                      <p:tavLst>
-                                        <p:tav tm="0">
-                                          <p:val>
-                                            <p:strVal val="#ppt_x"/>
-                                          </p:val>
-                                        </p:tav>
-                                        <p:tav tm="100000">
-                                          <p:val>
-                                            <p:strVal val="#ppt_x"/>
-                                          </p:val>
-                                        </p:tav>
-                                      </p:tavLst>
-                                    </p:anim>
-                                    <p:anim calcmode="lin" valueType="num">
-                                      <p:cBhvr>
-                                        <p:cTn id="9" dur="1000" fill="hold"/>
-                                        <p:tgtEl>
-                                          <p:spTgt spid="2"/>
-                                        </p:tgtEl>
-                                        <p:attrNameLst>
-                                          <p:attrName>ppt_y</p:attrName>
-                                        </p:attrNameLst>
-                                      </p:cBhvr>
-                                      <p:tavLst>
-                                        <p:tav tm="0">
-                                          <p:val>
-                                            <p:strVal val="#ppt_y+.1"/>
-                                          </p:val>
-                                        </p:tav>
-                                        <p:tav tm="100000">
-                                          <p:val>
-                                            <p:strVal val="#ppt_y"/>
-                                          </p:val>
-                                        </p:tav>
-                                      </p:tavLst>
-                                    </p:anim>
-                                  </p:childTnLst>
-                                </p:cTn>
-                              </p:par>
-                            </p:childTnLst>
-                          </p:cTn>
-                        </p:par>
-                      </p:childTnLst>
-                    </p:cTn>
-                  </p:par>
-                  <p:par>
-                    <p:cTn id="10" fill="hold">
-                      <p:stCondLst>
-                        <p:cond delay="indefinite"/>
-                      </p:stCondLst>
-                      <p:childTnLst>
-                        <p:par>
-                          <p:cTn id="11" fill="hold">
-                            <p:stCondLst>
-                              <p:cond delay="0"/>
-                            </p:stCondLst>
-                            <p:childTnLst>
-                              <p:par>
-                                <p:cTn id="12" presetID="16" presetClass="entr" presetSubtype="21" fill="hold" nodeType="clickEffect">
-                                  <p:stCondLst>
-                                    <p:cond delay="0"/>
-                                  </p:stCondLst>
-                                  <p:childTnLst>
-                                    <p:set>
-                                      <p:cBhvr>
-                                        <p:cTn id="13" dur="1" fill="hold">
-                                          <p:stCondLst>
-                                            <p:cond delay="0"/>
-                                          </p:stCondLst>
-                                        </p:cTn>
-                                        <p:tgtEl>
-                                          <p:spTgt spid="6"/>
-                                        </p:tgtEl>
-                                        <p:attrNameLst>
-                                          <p:attrName>style.visibility</p:attrName>
-                                        </p:attrNameLst>
-                                      </p:cBhvr>
-                                      <p:to>
-                                        <p:strVal val="visible"/>
-                                      </p:to>
-                                    </p:set>
-                                    <p:animEffect transition="in" filter="barn(inVertical)">
-                                      <p:cBhvr>
-                                        <p:cTn id="14" dur="500"/>
-                                        <p:tgtEl>
-                                          <p:spTgt spid="6"/>
-                                        </p:tgtEl>
-                                      </p:cBhvr>
-                                    </p:animEffect>
-                                  </p:childTnLst>
-                                </p:cTn>
-                              </p:par>
-                              <p:par>
-                                <p:cTn id="15" presetID="16" presetClass="entr" presetSubtype="21" fill="hold" nodeType="withEffect">
-                                  <p:stCondLst>
-                                    <p:cond delay="0"/>
-                                  </p:stCondLst>
-                                  <p:childTnLst>
-                                    <p:set>
-                                      <p:cBhvr>
-                                        <p:cTn id="16" dur="1" fill="hold">
-                                          <p:stCondLst>
-                                            <p:cond delay="0"/>
-                                          </p:stCondLst>
-                                        </p:cTn>
-                                        <p:tgtEl>
-                                          <p:spTgt spid="9"/>
-                                        </p:tgtEl>
-                                        <p:attrNameLst>
-                                          <p:attrName>style.visibility</p:attrName>
-                                        </p:attrNameLst>
-                                      </p:cBhvr>
-                                      <p:to>
-                                        <p:strVal val="visible"/>
-                                      </p:to>
-                                    </p:set>
-                                    <p:animEffect transition="in" filter="barn(inVertical)">
-                                      <p:cBhvr>
-                                        <p:cTn id="17" dur="500"/>
-                                        <p:tgtEl>
-                                          <p:spTgt spid="9"/>
-                                        </p:tgtEl>
-                                      </p:cBhvr>
-                                    </p:animEffect>
-                                  </p:childTnLst>
-                                </p:cTn>
-                              </p:par>
-                              <p:par>
-                                <p:cTn id="18" presetID="16" presetClass="entr" presetSubtype="21" fill="hold" nodeType="withEffect">
-                                  <p:stCondLst>
-                                    <p:cond delay="0"/>
-                                  </p:stCondLst>
-                                  <p:childTnLst>
-                                    <p:set>
-                                      <p:cBhvr>
-                                        <p:cTn id="19" dur="1" fill="hold">
-                                          <p:stCondLst>
-                                            <p:cond delay="0"/>
-                                          </p:stCondLst>
-                                        </p:cTn>
-                                        <p:tgtEl>
-                                          <p:spTgt spid="10"/>
-                                        </p:tgtEl>
-                                        <p:attrNameLst>
-                                          <p:attrName>style.visibility</p:attrName>
-                                        </p:attrNameLst>
-                                      </p:cBhvr>
-                                      <p:to>
-                                        <p:strVal val="visible"/>
-                                      </p:to>
-                                    </p:set>
-                                    <p:animEffect transition="in" filter="barn(inVertical)">
-                                      <p:cBhvr>
-                                        <p:cTn id="20" dur="500"/>
-                                        <p:tgtEl>
-                                          <p:spTgt spid="10"/>
-                                        </p:tgtEl>
-                                      </p:cBhvr>
-                                    </p:animEffect>
-                                  </p:childTnLst>
-                                </p:cTn>
-                              </p:par>
-                              <p:par>
-                                <p:cTn id="21" presetID="16" presetClass="entr" presetSubtype="21" fill="hold" nodeType="withEffect">
-                                  <p:stCondLst>
-                                    <p:cond delay="0"/>
-                                  </p:stCondLst>
-                                  <p:childTnLst>
-                                    <p:set>
-                                      <p:cBhvr>
-                                        <p:cTn id="22" dur="1" fill="hold">
-                                          <p:stCondLst>
-                                            <p:cond delay="0"/>
-                                          </p:stCondLst>
-                                        </p:cTn>
-                                        <p:tgtEl>
-                                          <p:spTgt spid="8"/>
-                                        </p:tgtEl>
-                                        <p:attrNameLst>
-                                          <p:attrName>style.visibility</p:attrName>
-                                        </p:attrNameLst>
-                                      </p:cBhvr>
-                                      <p:to>
-                                        <p:strVal val="visible"/>
-                                      </p:to>
-                                    </p:set>
-                                    <p:animEffect transition="in" filter="barn(inVertical)">
-                                      <p:cBhvr>
-                                        <p:cTn id="23" dur="500"/>
-                                        <p:tgtEl>
-                                          <p:spTgt spid="8"/>
-                                        </p:tgtEl>
-                                      </p:cBhvr>
-                                    </p:animEffect>
-                                  </p:childTnLst>
-                                </p:cTn>
-                              </p:par>
-                              <p:par>
-                                <p:cTn id="24" presetID="16" presetClass="entr" presetSubtype="21" fill="hold" nodeType="withEffect">
-                                  <p:stCondLst>
-                                    <p:cond delay="0"/>
-                                  </p:stCondLst>
-                                  <p:childTnLst>
-                                    <p:set>
-                                      <p:cBhvr>
-                                        <p:cTn id="25" dur="1" fill="hold">
-                                          <p:stCondLst>
-                                            <p:cond delay="0"/>
-                                          </p:stCondLst>
-                                        </p:cTn>
-                                        <p:tgtEl>
-                                          <p:spTgt spid="13"/>
-                                        </p:tgtEl>
-                                        <p:attrNameLst>
-                                          <p:attrName>style.visibility</p:attrName>
-                                        </p:attrNameLst>
-                                      </p:cBhvr>
-                                      <p:to>
-                                        <p:strVal val="visible"/>
-                                      </p:to>
-                                    </p:set>
-                                    <p:animEffect transition="in" filter="barn(inVertical)">
-                                      <p:cBhvr>
-                                        <p:cTn id="26" dur="500"/>
-                                        <p:tgtEl>
-                                          <p:spTgt spid="13"/>
-                                        </p:tgtEl>
-                                      </p:cBhvr>
-                                    </p:animEffect>
-                                  </p:childTnLst>
-                                </p:cTn>
-                              </p:par>
-                            </p:childTnLst>
-                          </p:cTn>
-                        </p:par>
-                      </p:childTnLst>
-                    </p:cTn>
-                  </p:par>
-                </p:childTnLst>
-              </p:cTn>
-              <p:prevCondLst>
-                <p:cond evt="onPrev" delay="0">
-                  <p:tgtEl>
-                    <p:sldTgt/>
-                  </p:tgtEl>
-                </p:cond>
-              </p:prevCondLst>
-              <p:nextCondLst>
-                <p:cond evt="onNext" delay="0">
-                  <p:tgtEl>
-                    <p:sldTgt/>
-                  </p:tgtEl>
-                </p:cond>
-              </p:nextCondLst>
-            </p:seq>
-          </p:childTnLst>
-        </p:cTn>
-      </p:par>
-    </p:tnLst>
-    <p:bldLst>
-      <p:bldP spid="2" grpId="0"/>
-    </p:bldLst>
-  </p:timing>
-</p:sld>
-</file>
-
-<file path=ppt/slides/slide11.xml><?xml version="1.0" encoding="utf-8"?>
-<p:sld xmlns:a="http://schemas.openxmlformats.org/drawingml/2006/main" xmlns:r="http://schemas.openxmlformats.org/officeDocument/2006/relationships" xmlns:p="http://schemas.openxmlformats.org/presentationml/2006/main">
-  <p:cSld>
-    <p:spTree>
-      <p:nvGrpSpPr>
-        <p:cNvPr id="1" name=""/>
-        <p:cNvGrpSpPr/>
-        <p:nvPr/>
-      </p:nvGrpSpPr>
-      <p:grpSpPr>
-        <a:xfrm>
-          <a:off x="0" y="0"/>
-          <a:ext cx="0" cy="0"/>
-          <a:chOff x="0" y="0"/>
-          <a:chExt cx="0" cy="0"/>
-        </a:xfrm>
-      </p:grpSpPr>
-      <p:sp>
-        <p:nvSpPr>
-          <p:cNvPr id="2" name="Title 1"/>
-          <p:cNvSpPr>
-            <a:spLocks noGrp="1"/>
-          </p:cNvSpPr>
-          <p:nvPr>
-            <p:ph type="title"/>
-          </p:nvPr>
-        </p:nvSpPr>
-        <p:spPr>
-          <a:xfrm>
-            <a:off x="3306618" y="371764"/>
+            <a:off x="3570722" y="219596"/>
             <a:ext cx="5961206" cy="773545"/>
           </a:xfrm>
         </p:spPr>
@@ -21711,61 +21013,6 @@
           </a:p>
         </p:txBody>
       </p:sp>
-      <p:pic>
-        <p:nvPicPr>
-          <p:cNvPr id="3" name="Picture 2"/>
-          <p:cNvPicPr>
-            <a:picLocks noChangeAspect="1"/>
-          </p:cNvPicPr>
-          <p:nvPr/>
-        </p:nvPicPr>
-        <p:blipFill rotWithShape="1">
-          <a:blip r:embed="rId2">
-            <a:extLst>
-              <a:ext uri="{BEBA8EAE-BF5A-486C-A8C5-ECC9F3942E4B}">
-                <a14:imgProps xmlns:a14="http://schemas.microsoft.com/office/drawing/2010/main">
-                  <a14:imgLayer r:embed="rId3">
-                    <a14:imgEffect>
-                      <a14:brightnessContrast bright="20000" contrast="-40000"/>
-                    </a14:imgEffect>
-                  </a14:imgLayer>
-                </a14:imgProps>
-              </a:ext>
-              <a:ext uri="{28A0092B-C50C-407E-A947-70E740481C1C}">
-                <a14:useLocalDpi xmlns:a14="http://schemas.microsoft.com/office/drawing/2010/main" val="0"/>
-              </a:ext>
-            </a:extLst>
-          </a:blip>
-          <a:srcRect l="649" r="10750"/>
-          <a:stretch/>
-        </p:blipFill>
-        <p:spPr>
-          <a:xfrm>
-            <a:off x="4758137" y="4423829"/>
-            <a:ext cx="8137237" cy="2077229"/>
-          </a:xfrm>
-          <a:prstGeom prst="rect">
-            <a:avLst/>
-          </a:prstGeom>
-          <a:ln>
-            <a:noFill/>
-          </a:ln>
-          <a:effectLst>
-            <a:reflection blurRad="12700" stA="30000" endPos="30000" dist="5000" dir="5400000" sy="-100000" algn="bl" rotWithShape="0"/>
-          </a:effectLst>
-          <a:scene3d>
-            <a:camera prst="perspectiveContrastingLeftFacing">
-              <a:rot lat="300000" lon="19800000" rev="0"/>
-            </a:camera>
-            <a:lightRig rig="threePt" dir="t">
-              <a:rot lat="0" lon="0" rev="2700000"/>
-            </a:lightRig>
-          </a:scene3d>
-          <a:sp3d>
-            <a:bevelT w="63500" h="50800"/>
-          </a:sp3d>
-        </p:spPr>
-      </p:pic>
       <p:cxnSp>
         <p:nvCxnSpPr>
           <p:cNvPr id="5" name="Straight Connector 4"/>
@@ -21805,7 +21052,7 @@
           <p:nvPr/>
         </p:nvPicPr>
         <p:blipFill>
-          <a:blip r:embed="rId4" cstate="print">
+          <a:blip r:embed="rId2" cstate="print">
             <a:extLst>
               <a:ext uri="{28A0092B-C50C-407E-A947-70E740481C1C}">
                 <a14:useLocalDpi xmlns:a14="http://schemas.microsoft.com/office/drawing/2010/main" val="0"/>
@@ -21835,7 +21082,7 @@
           <p:nvPr/>
         </p:nvPicPr>
         <p:blipFill rotWithShape="1">
-          <a:blip r:embed="rId5">
+          <a:blip r:embed="rId3">
             <a:extLst>
               <a:ext uri="{28A0092B-C50C-407E-A947-70E740481C1C}">
                 <a14:useLocalDpi xmlns:a14="http://schemas.microsoft.com/office/drawing/2010/main" val="0"/>
@@ -21847,8 +21094,64 @@
         </p:blipFill>
         <p:spPr>
           <a:xfrm>
-            <a:off x="1728609" y="1335479"/>
-            <a:ext cx="8460508" cy="2551119"/>
+            <a:off x="1551709" y="1286370"/>
+            <a:ext cx="8286426" cy="2498628"/>
+          </a:xfrm>
+          <a:prstGeom prst="rect">
+            <a:avLst/>
+          </a:prstGeom>
+          <a:ln>
+            <a:noFill/>
+          </a:ln>
+          <a:effectLst>
+            <a:reflection blurRad="12700" stA="30000" endPos="30000" dist="5000" dir="5400000" sy="-100000" algn="bl" rotWithShape="0"/>
+          </a:effectLst>
+          <a:scene3d>
+            <a:camera prst="perspectiveContrastingLeftFacing">
+              <a:rot lat="300000" lon="19800000" rev="0"/>
+            </a:camera>
+            <a:lightRig rig="threePt" dir="t">
+              <a:rot lat="0" lon="0" rev="2700000"/>
+            </a:lightRig>
+          </a:scene3d>
+          <a:sp3d>
+            <a:bevelT w="63500" h="50800"/>
+          </a:sp3d>
+        </p:spPr>
+      </p:pic>
+      <p:pic>
+        <p:nvPicPr>
+          <p:cNvPr id="8" name="Picture 7"/>
+          <p:cNvPicPr>
+            <a:picLocks noChangeAspect="1"/>
+          </p:cNvPicPr>
+          <p:nvPr/>
+        </p:nvPicPr>
+        <p:blipFill>
+          <a:blip r:embed="rId4">
+            <a:extLst>
+              <a:ext uri="{BEBA8EAE-BF5A-486C-A8C5-ECC9F3942E4B}">
+                <a14:imgProps xmlns:a14="http://schemas.microsoft.com/office/drawing/2010/main">
+                  <a14:imgLayer r:embed="rId5">
+                    <a14:imgEffect>
+                      <a14:brightnessContrast bright="20000"/>
+                    </a14:imgEffect>
+                  </a14:imgLayer>
+                </a14:imgProps>
+              </a:ext>
+              <a:ext uri="{28A0092B-C50C-407E-A947-70E740481C1C}">
+                <a14:useLocalDpi xmlns:a14="http://schemas.microsoft.com/office/drawing/2010/main" val="0"/>
+              </a:ext>
+            </a:extLst>
+          </a:blip>
+          <a:stretch>
+            <a:fillRect/>
+          </a:stretch>
+        </p:blipFill>
+        <p:spPr>
+          <a:xfrm>
+            <a:off x="4331855" y="4198032"/>
+            <a:ext cx="8764009" cy="2384479"/>
           </a:xfrm>
           <a:prstGeom prst="rect">
             <a:avLst/>
@@ -22050,7 +21353,7 @@
                                           </p:stCondLst>
                                         </p:cTn>
                                         <p:tgtEl>
-                                          <p:spTgt spid="3"/>
+                                          <p:spTgt spid="8"/>
                                         </p:tgtEl>
                                         <p:attrNameLst>
                                           <p:attrName>style.visibility</p:attrName>
@@ -22064,7 +21367,7 @@
                                       <p:cBhvr>
                                         <p:cTn id="17" dur="500"/>
                                         <p:tgtEl>
-                                          <p:spTgt spid="3"/>
+                                          <p:spTgt spid="8"/>
                                         </p:tgtEl>
                                       </p:cBhvr>
                                     </p:animEffect>
@@ -22105,7 +21408,7 @@
 </p:sld>
 </file>
 
-<file path=ppt/slides/slide12.xml><?xml version="1.0" encoding="utf-8"?>
+<file path=ppt/slides/slide11.xml><?xml version="1.0" encoding="utf-8"?>
 <p:sld xmlns:a="http://schemas.openxmlformats.org/drawingml/2006/main" xmlns:r="http://schemas.openxmlformats.org/officeDocument/2006/relationships" xmlns:p="http://schemas.openxmlformats.org/presentationml/2006/main">
   <p:cSld>
     <p:spTree>
@@ -22571,7 +21874,14 @@
                 <a:latin typeface="Yu Gothic UI Light" panose="020B0300000000000000" pitchFamily="34" charset="-128"/>
                 <a:ea typeface="Yu Gothic UI Light" panose="020B0300000000000000" pitchFamily="34" charset="-128"/>
               </a:rPr>
-              <a:t> is An </a:t>
+              <a:t> </a:t>
+            </a:r>
+            <a:r>
+              <a:rPr lang="en-GB" smtClean="0">
+                <a:latin typeface="Yu Gothic UI Light" panose="020B0300000000000000" pitchFamily="34" charset="-128"/>
+                <a:ea typeface="Yu Gothic UI Light" panose="020B0300000000000000" pitchFamily="34" charset="-128"/>
+              </a:rPr>
+              <a:t>is an </a:t>
             </a:r>
             <a:r>
               <a:rPr lang="en-GB" dirty="0">
@@ -24980,8 +24290,31 @@
                 <a:latin typeface="Yu Gothic UI Semilight" panose="020B0400000000000000" pitchFamily="34" charset="-128"/>
                 <a:ea typeface="Yu Gothic UI Semilight" panose="020B0400000000000000" pitchFamily="34" charset="-128"/>
               </a:rPr>
-              <a:t> Angular 11</a:t>
+              <a:t> Angular </a:t>
             </a:r>
+            <a:r>
+              <a:rPr lang="en-US" dirty="0">
+                <a:solidFill>
+                  <a:schemeClr val="tx1">
+                    <a:lumMod val="75000"/>
+                    <a:lumOff val="25000"/>
+                  </a:schemeClr>
+                </a:solidFill>
+                <a:latin typeface="Yu Gothic UI Semilight" panose="020B0400000000000000" pitchFamily="34" charset="-128"/>
+                <a:ea typeface="Yu Gothic UI Semilight" panose="020B0400000000000000" pitchFamily="34" charset="-128"/>
+              </a:rPr>
+              <a:t>8</a:t>
+            </a:r>
+            <a:endParaRPr lang="en-US" dirty="0" smtClean="0">
+              <a:solidFill>
+                <a:schemeClr val="tx1">
+                  <a:lumMod val="75000"/>
+                  <a:lumOff val="25000"/>
+                </a:schemeClr>
+              </a:solidFill>
+              <a:latin typeface="Yu Gothic UI Semilight" panose="020B0400000000000000" pitchFamily="34" charset="-128"/>
+              <a:ea typeface="Yu Gothic UI Semilight" panose="020B0400000000000000" pitchFamily="34" charset="-128"/>
+            </a:endParaRPr>
           </a:p>
           <a:p>
             <a:pPr>
@@ -26294,14 +25627,14 @@
           <p:nvPr>
             <p:extLst>
               <p:ext uri="{D42A27DB-BD31-4B8C-83A1-F6EECF244321}">
-                <p14:modId xmlns:p14="http://schemas.microsoft.com/office/powerpoint/2010/main" val="3960747577"/>
+                <p14:modId xmlns:p14="http://schemas.microsoft.com/office/powerpoint/2010/main" val="89232427"/>
               </p:ext>
             </p:extLst>
           </p:nvPr>
         </p:nvGraphicFramePr>
         <p:xfrm>
-          <a:off x="2329873" y="1662543"/>
-          <a:ext cx="7439890" cy="3871825"/>
+          <a:off x="1934678" y="1293091"/>
+          <a:ext cx="7835085" cy="4241278"/>
         </p:xfrm>
         <a:graphic>
           <a:graphicData uri="http://schemas.openxmlformats.org/drawingml/2006/diagram">
@@ -27848,6 +27181,12 @@
 </file>
 
 <file path=customXml/item1.xml><?xml version="1.0" encoding="utf-8"?>
+<p:properties xmlns:p="http://schemas.microsoft.com/office/2006/metadata/properties" xmlns:xsi="http://www.w3.org/2001/XMLSchema-instance" xmlns:pc="http://schemas.microsoft.com/office/infopath/2007/PartnerControls">
+  <documentManagement/>
+</p:properties>
+</file>
+
+<file path=customXml/item2.xml><?xml version="1.0" encoding="utf-8"?>
 <?mso-contentType ?>
 <FormTemplates xmlns="http://schemas.microsoft.com/sharepoint/v3/contenttype/forms">
   <Display>DocumentLibraryForm</Display>
@@ -27856,7 +27195,7 @@
 </FormTemplates>
 </file>
 
-<file path=customXml/item2.xml><?xml version="1.0" encoding="utf-8"?>
+<file path=customXml/item3.xml><?xml version="1.0" encoding="utf-8"?>
 <ct:contentTypeSchema xmlns:ct="http://schemas.microsoft.com/office/2006/metadata/contentType" xmlns:ma="http://schemas.microsoft.com/office/2006/metadata/properties/metaAttributes" ct:_="" ma:_="" ma:contentTypeName="Document" ma:contentTypeID="0x010100792D98E7AB91494AA1019D5B680C9665" ma:contentTypeVersion="11" ma:contentTypeDescription="Create a new document." ma:contentTypeScope="" ma:versionID="f21f3a26f1b834a6fb7c94491c4ef35a">
   <xsd:schema xmlns:xsd="http://www.w3.org/2001/XMLSchema" xmlns:xs="http://www.w3.org/2001/XMLSchema" xmlns:p="http://schemas.microsoft.com/office/2006/metadata/properties" xmlns:ns3="730b6cad-ec73-4f0e-ae3a-03c3249ed930" xmlns:ns4="bbf8b34b-d290-4793-8b38-f43b3f8f72fb" targetNamespace="http://schemas.microsoft.com/office/2006/metadata/properties" ma:root="true" ma:fieldsID="92d441552f43309212f5a84f22d43684" ns3:_="" ns4:_="">
     <xsd:import namespace="730b6cad-ec73-4f0e-ae3a-03c3249ed930"/>
@@ -28065,13 +27404,24 @@
 </ct:contentTypeSchema>
 </file>
 
-<file path=customXml/item3.xml><?xml version="1.0" encoding="utf-8"?>
-<p:properties xmlns:p="http://schemas.microsoft.com/office/2006/metadata/properties" xmlns:xsi="http://www.w3.org/2001/XMLSchema-instance" xmlns:pc="http://schemas.microsoft.com/office/infopath/2007/PartnerControls">
-  <documentManagement/>
-</p:properties>
+<file path=customXml/itemProps1.xml><?xml version="1.0" encoding="utf-8"?>
+<ds:datastoreItem xmlns:ds="http://schemas.openxmlformats.org/officeDocument/2006/customXml" ds:itemID="{EB201BA1-E35A-43A2-BCBB-FBE7C5568A2A}">
+  <ds:schemaRefs>
+    <ds:schemaRef ds:uri="http://purl.org/dc/terms/"/>
+    <ds:schemaRef ds:uri="http://schemas.microsoft.com/office/2006/documentManagement/types"/>
+    <ds:schemaRef ds:uri="bbf8b34b-d290-4793-8b38-f43b3f8f72fb"/>
+    <ds:schemaRef ds:uri="http://purl.org/dc/dcmitype/"/>
+    <ds:schemaRef ds:uri="http://purl.org/dc/elements/1.1/"/>
+    <ds:schemaRef ds:uri="http://www.w3.org/XML/1998/namespace"/>
+    <ds:schemaRef ds:uri="http://schemas.microsoft.com/office/infopath/2007/PartnerControls"/>
+    <ds:schemaRef ds:uri="http://schemas.openxmlformats.org/package/2006/metadata/core-properties"/>
+    <ds:schemaRef ds:uri="730b6cad-ec73-4f0e-ae3a-03c3249ed930"/>
+    <ds:schemaRef ds:uri="http://schemas.microsoft.com/office/2006/metadata/properties"/>
+  </ds:schemaRefs>
+</ds:datastoreItem>
 </file>
 
-<file path=customXml/itemProps1.xml><?xml version="1.0" encoding="utf-8"?>
+<file path=customXml/itemProps2.xml><?xml version="1.0" encoding="utf-8"?>
 <ds:datastoreItem xmlns:ds="http://schemas.openxmlformats.org/officeDocument/2006/customXml" ds:itemID="{143AE1C4-36D1-4585-A5AC-812424636206}">
   <ds:schemaRefs>
     <ds:schemaRef ds:uri="http://schemas.microsoft.com/sharepoint/v3/contenttype/forms"/>
@@ -28079,7 +27429,7 @@
 </ds:datastoreItem>
 </file>
 
-<file path=customXml/itemProps2.xml><?xml version="1.0" encoding="utf-8"?>
+<file path=customXml/itemProps3.xml><?xml version="1.0" encoding="utf-8"?>
 <ds:datastoreItem xmlns:ds="http://schemas.openxmlformats.org/officeDocument/2006/customXml" ds:itemID="{8A5327F2-2ADE-446A-A342-BAED2F2219CA}">
   <ds:schemaRefs>
     <ds:schemaRef ds:uri="http://schemas.microsoft.com/office/2006/metadata/contentType"/>
@@ -28096,21 +27446,4 @@
     <ds:schemaRef ds:uri="http://schemas.microsoft.com/internal/obd"/>
   </ds:schemaRefs>
 </ds:datastoreItem>
-</file>
-
-<file path=customXml/itemProps3.xml><?xml version="1.0" encoding="utf-8"?>
-<ds:datastoreItem xmlns:ds="http://schemas.openxmlformats.org/officeDocument/2006/customXml" ds:itemID="{EB201BA1-E35A-43A2-BCBB-FBE7C5568A2A}">
-  <ds:schemaRefs>
-    <ds:schemaRef ds:uri="http://purl.org/dc/terms/"/>
-    <ds:schemaRef ds:uri="http://schemas.microsoft.com/office/2006/documentManagement/types"/>
-    <ds:schemaRef ds:uri="bbf8b34b-d290-4793-8b38-f43b3f8f72fb"/>
-    <ds:schemaRef ds:uri="http://purl.org/dc/dcmitype/"/>
-    <ds:schemaRef ds:uri="http://purl.org/dc/elements/1.1/"/>
-    <ds:schemaRef ds:uri="http://www.w3.org/XML/1998/namespace"/>
-    <ds:schemaRef ds:uri="http://schemas.microsoft.com/office/infopath/2007/PartnerControls"/>
-    <ds:schemaRef ds:uri="http://schemas.openxmlformats.org/package/2006/metadata/core-properties"/>
-    <ds:schemaRef ds:uri="730b6cad-ec73-4f0e-ae3a-03c3249ed930"/>
-    <ds:schemaRef ds:uri="http://schemas.microsoft.com/office/2006/metadata/properties"/>
-  </ds:schemaRefs>
-</ds:datastoreItem>
 </file>